--- a/LearnGit.pptx
+++ b/LearnGit.pptx
@@ -4,6 +4,9 @@
   <p:sldMasterIdLst>
     <p:sldMasterId id="2147483648" r:id="rId1"/>
   </p:sldMasterIdLst>
+  <p:notesMasterIdLst>
+    <p:notesMasterId r:id="rId28"/>
+  </p:notesMasterIdLst>
   <p:sldIdLst>
     <p:sldId id="256" r:id="rId2"/>
     <p:sldId id="257" r:id="rId3"/>
@@ -20,6 +23,17 @@
     <p:sldId id="269" r:id="rId14"/>
     <p:sldId id="270" r:id="rId15"/>
     <p:sldId id="271" r:id="rId16"/>
+    <p:sldId id="272" r:id="rId17"/>
+    <p:sldId id="274" r:id="rId18"/>
+    <p:sldId id="273" r:id="rId19"/>
+    <p:sldId id="275" r:id="rId20"/>
+    <p:sldId id="276" r:id="rId21"/>
+    <p:sldId id="277" r:id="rId22"/>
+    <p:sldId id="278" r:id="rId23"/>
+    <p:sldId id="280" r:id="rId24"/>
+    <p:sldId id="281" r:id="rId25"/>
+    <p:sldId id="282" r:id="rId26"/>
+    <p:sldId id="283" r:id="rId27"/>
   </p:sldIdLst>
   <p:sldSz cx="9144000" cy="6858000" type="screen4x3"/>
   <p:notesSz cx="6858000" cy="9144000"/>
@@ -119,6 +133,1327 @@
     </a:lvl9pPr>
   </p:defaultTextStyle>
 </p:presentation>
+</file>
+
+<file path=ppt/notesMasters/notesMaster1.xml><?xml version="1.0" encoding="utf-8"?>
+<p:notesMaster xmlns:a="http://schemas.openxmlformats.org/drawingml/2006/main" xmlns:r="http://schemas.openxmlformats.org/officeDocument/2006/relationships" xmlns:p="http://schemas.openxmlformats.org/presentationml/2006/main">
+  <p:cSld>
+    <p:bg>
+      <p:bgRef idx="1001">
+        <a:schemeClr val="bg1"/>
+      </p:bgRef>
+    </p:bg>
+    <p:spTree>
+      <p:nvGrpSpPr>
+        <p:cNvPr id="1" name=""/>
+        <p:cNvGrpSpPr/>
+        <p:nvPr/>
+      </p:nvGrpSpPr>
+      <p:grpSpPr>
+        <a:xfrm>
+          <a:off x="0" y="0"/>
+          <a:ext cx="0" cy="0"/>
+          <a:chOff x="0" y="0"/>
+          <a:chExt cx="0" cy="0"/>
+        </a:xfrm>
+      </p:grpSpPr>
+      <p:sp>
+        <p:nvSpPr>
+          <p:cNvPr id="2" name="页眉占位符 1"/>
+          <p:cNvSpPr>
+            <a:spLocks noGrp="1"/>
+          </p:cNvSpPr>
+          <p:nvPr>
+            <p:ph type="hdr" sz="quarter"/>
+          </p:nvPr>
+        </p:nvSpPr>
+        <p:spPr>
+          <a:xfrm>
+            <a:off x="0" y="0"/>
+            <a:ext cx="2971800" cy="457200"/>
+          </a:xfrm>
+          <a:prstGeom prst="rect">
+            <a:avLst/>
+          </a:prstGeom>
+        </p:spPr>
+        <p:txBody>
+          <a:bodyPr vert="horz" lIns="91440" tIns="45720" rIns="91440" bIns="45720" rtlCol="0"/>
+          <a:lstStyle>
+            <a:lvl1pPr algn="l">
+              <a:defRPr sz="1200"/>
+            </a:lvl1pPr>
+          </a:lstStyle>
+          <a:p>
+            <a:endParaRPr kumimoji="1" lang="zh-CN" altLang="en-US"/>
+          </a:p>
+        </p:txBody>
+      </p:sp>
+      <p:sp>
+        <p:nvSpPr>
+          <p:cNvPr id="3" name="日期占位符 2"/>
+          <p:cNvSpPr>
+            <a:spLocks noGrp="1"/>
+          </p:cNvSpPr>
+          <p:nvPr>
+            <p:ph type="dt" idx="1"/>
+          </p:nvPr>
+        </p:nvSpPr>
+        <p:spPr>
+          <a:xfrm>
+            <a:off x="3884613" y="0"/>
+            <a:ext cx="2971800" cy="457200"/>
+          </a:xfrm>
+          <a:prstGeom prst="rect">
+            <a:avLst/>
+          </a:prstGeom>
+        </p:spPr>
+        <p:txBody>
+          <a:bodyPr vert="horz" lIns="91440" tIns="45720" rIns="91440" bIns="45720" rtlCol="0"/>
+          <a:lstStyle>
+            <a:lvl1pPr algn="r">
+              <a:defRPr sz="1200"/>
+            </a:lvl1pPr>
+          </a:lstStyle>
+          <a:p>
+            <a:fld id="{656C7288-F424-1A44-A14C-D8780C165A25}" type="datetimeFigureOut">
+              <a:rPr kumimoji="1" lang="zh-CN" altLang="en-US" smtClean="0"/>
+              <a:t>14-5-23</a:t>
+            </a:fld>
+            <a:endParaRPr kumimoji="1" lang="zh-CN" altLang="en-US"/>
+          </a:p>
+        </p:txBody>
+      </p:sp>
+      <p:sp>
+        <p:nvSpPr>
+          <p:cNvPr id="4" name="幻灯片图像占位符 3"/>
+          <p:cNvSpPr>
+            <a:spLocks noGrp="1" noRot="1" noChangeAspect="1"/>
+          </p:cNvSpPr>
+          <p:nvPr>
+            <p:ph type="sldImg" idx="2"/>
+          </p:nvPr>
+        </p:nvSpPr>
+        <p:spPr>
+          <a:xfrm>
+            <a:off x="1143000" y="685800"/>
+            <a:ext cx="4572000" cy="3429000"/>
+          </a:xfrm>
+          <a:prstGeom prst="rect">
+            <a:avLst/>
+          </a:prstGeom>
+          <a:noFill/>
+          <a:ln w="12700">
+            <a:solidFill>
+              <a:prstClr val="black"/>
+            </a:solidFill>
+          </a:ln>
+        </p:spPr>
+        <p:txBody>
+          <a:bodyPr vert="horz" lIns="91440" tIns="45720" rIns="91440" bIns="45720" rtlCol="0" anchor="ctr"/>
+          <a:lstStyle/>
+          <a:p>
+            <a:endParaRPr lang="zh-CN" altLang="en-US"/>
+          </a:p>
+        </p:txBody>
+      </p:sp>
+      <p:sp>
+        <p:nvSpPr>
+          <p:cNvPr id="5" name="备注占位符 4"/>
+          <p:cNvSpPr>
+            <a:spLocks noGrp="1"/>
+          </p:cNvSpPr>
+          <p:nvPr>
+            <p:ph type="body" sz="quarter" idx="3"/>
+          </p:nvPr>
+        </p:nvSpPr>
+        <p:spPr>
+          <a:xfrm>
+            <a:off x="685800" y="4343400"/>
+            <a:ext cx="5486400" cy="4114800"/>
+          </a:xfrm>
+          <a:prstGeom prst="rect">
+            <a:avLst/>
+          </a:prstGeom>
+        </p:spPr>
+        <p:txBody>
+          <a:bodyPr vert="horz" lIns="91440" tIns="45720" rIns="91440" bIns="45720" rtlCol="0"/>
+          <a:lstStyle/>
+          <a:p>
+            <a:pPr lvl="0"/>
+            <a:r>
+              <a:rPr kumimoji="1" lang="zh-CN" altLang="en-US" smtClean="0"/>
+              <a:t>单击此处编辑母版文本样式</a:t>
+            </a:r>
+          </a:p>
+          <a:p>
+            <a:pPr lvl="1"/>
+            <a:r>
+              <a:rPr kumimoji="1" lang="zh-CN" altLang="en-US" smtClean="0"/>
+              <a:t>二级</a:t>
+            </a:r>
+          </a:p>
+          <a:p>
+            <a:pPr lvl="2"/>
+            <a:r>
+              <a:rPr kumimoji="1" lang="zh-CN" altLang="en-US" smtClean="0"/>
+              <a:t>三级</a:t>
+            </a:r>
+          </a:p>
+          <a:p>
+            <a:pPr lvl="3"/>
+            <a:r>
+              <a:rPr kumimoji="1" lang="zh-CN" altLang="en-US" smtClean="0"/>
+              <a:t>四级</a:t>
+            </a:r>
+          </a:p>
+          <a:p>
+            <a:pPr lvl="4"/>
+            <a:r>
+              <a:rPr kumimoji="1" lang="zh-CN" altLang="en-US" smtClean="0"/>
+              <a:t>五级</a:t>
+            </a:r>
+            <a:endParaRPr kumimoji="1" lang="zh-CN" altLang="en-US"/>
+          </a:p>
+        </p:txBody>
+      </p:sp>
+      <p:sp>
+        <p:nvSpPr>
+          <p:cNvPr id="6" name="页脚占位符 5"/>
+          <p:cNvSpPr>
+            <a:spLocks noGrp="1"/>
+          </p:cNvSpPr>
+          <p:nvPr>
+            <p:ph type="ftr" sz="quarter" idx="4"/>
+          </p:nvPr>
+        </p:nvSpPr>
+        <p:spPr>
+          <a:xfrm>
+            <a:off x="0" y="8685213"/>
+            <a:ext cx="2971800" cy="457200"/>
+          </a:xfrm>
+          <a:prstGeom prst="rect">
+            <a:avLst/>
+          </a:prstGeom>
+        </p:spPr>
+        <p:txBody>
+          <a:bodyPr vert="horz" lIns="91440" tIns="45720" rIns="91440" bIns="45720" rtlCol="0" anchor="b"/>
+          <a:lstStyle>
+            <a:lvl1pPr algn="l">
+              <a:defRPr sz="1200"/>
+            </a:lvl1pPr>
+          </a:lstStyle>
+          <a:p>
+            <a:endParaRPr kumimoji="1" lang="zh-CN" altLang="en-US"/>
+          </a:p>
+        </p:txBody>
+      </p:sp>
+      <p:sp>
+        <p:nvSpPr>
+          <p:cNvPr id="7" name="幻灯片编号占位符 6"/>
+          <p:cNvSpPr>
+            <a:spLocks noGrp="1"/>
+          </p:cNvSpPr>
+          <p:nvPr>
+            <p:ph type="sldNum" sz="quarter" idx="5"/>
+          </p:nvPr>
+        </p:nvSpPr>
+        <p:spPr>
+          <a:xfrm>
+            <a:off x="3884613" y="8685213"/>
+            <a:ext cx="2971800" cy="457200"/>
+          </a:xfrm>
+          <a:prstGeom prst="rect">
+            <a:avLst/>
+          </a:prstGeom>
+        </p:spPr>
+        <p:txBody>
+          <a:bodyPr vert="horz" lIns="91440" tIns="45720" rIns="91440" bIns="45720" rtlCol="0" anchor="b"/>
+          <a:lstStyle>
+            <a:lvl1pPr algn="r">
+              <a:defRPr sz="1200"/>
+            </a:lvl1pPr>
+          </a:lstStyle>
+          <a:p>
+            <a:fld id="{7F0544C0-F843-4E4E-A999-97A2EEC882A9}" type="slidenum">
+              <a:rPr kumimoji="1" lang="zh-CN" altLang="en-US" smtClean="0"/>
+              <a:t>‹#›</a:t>
+            </a:fld>
+            <a:endParaRPr kumimoji="1" lang="zh-CN" altLang="en-US"/>
+          </a:p>
+        </p:txBody>
+      </p:sp>
+    </p:spTree>
+    <p:extLst>
+      <p:ext uri="{BB962C8B-B14F-4D97-AF65-F5344CB8AC3E}">
+        <p14:creationId xmlns:p14="http://schemas.microsoft.com/office/powerpoint/2010/main" val="4017357870"/>
+      </p:ext>
+    </p:extLst>
+  </p:cSld>
+  <p:clrMap bg1="lt1" tx1="dk1" bg2="lt2" tx2="dk2" accent1="accent1" accent2="accent2" accent3="accent3" accent4="accent4" accent5="accent5" accent6="accent6" hlink="hlink" folHlink="folHlink"/>
+  <p:notesStyle>
+    <a:lvl1pPr marL="0" algn="l" defTabSz="457200" rtl="0" eaLnBrk="1" latinLnBrk="0" hangingPunct="1">
+      <a:defRPr sz="1200" kern="1200">
+        <a:solidFill>
+          <a:schemeClr val="tx1"/>
+        </a:solidFill>
+        <a:latin typeface="+mn-lt"/>
+        <a:ea typeface="+mn-ea"/>
+        <a:cs typeface="+mn-cs"/>
+      </a:defRPr>
+    </a:lvl1pPr>
+    <a:lvl2pPr marL="457200" algn="l" defTabSz="457200" rtl="0" eaLnBrk="1" latinLnBrk="0" hangingPunct="1">
+      <a:defRPr sz="1200" kern="1200">
+        <a:solidFill>
+          <a:schemeClr val="tx1"/>
+        </a:solidFill>
+        <a:latin typeface="+mn-lt"/>
+        <a:ea typeface="+mn-ea"/>
+        <a:cs typeface="+mn-cs"/>
+      </a:defRPr>
+    </a:lvl2pPr>
+    <a:lvl3pPr marL="914400" algn="l" defTabSz="457200" rtl="0" eaLnBrk="1" latinLnBrk="0" hangingPunct="1">
+      <a:defRPr sz="1200" kern="1200">
+        <a:solidFill>
+          <a:schemeClr val="tx1"/>
+        </a:solidFill>
+        <a:latin typeface="+mn-lt"/>
+        <a:ea typeface="+mn-ea"/>
+        <a:cs typeface="+mn-cs"/>
+      </a:defRPr>
+    </a:lvl3pPr>
+    <a:lvl4pPr marL="1371600" algn="l" defTabSz="457200" rtl="0" eaLnBrk="1" latinLnBrk="0" hangingPunct="1">
+      <a:defRPr sz="1200" kern="1200">
+        <a:solidFill>
+          <a:schemeClr val="tx1"/>
+        </a:solidFill>
+        <a:latin typeface="+mn-lt"/>
+        <a:ea typeface="+mn-ea"/>
+        <a:cs typeface="+mn-cs"/>
+      </a:defRPr>
+    </a:lvl4pPr>
+    <a:lvl5pPr marL="1828800" algn="l" defTabSz="457200" rtl="0" eaLnBrk="1" latinLnBrk="0" hangingPunct="1">
+      <a:defRPr sz="1200" kern="1200">
+        <a:solidFill>
+          <a:schemeClr val="tx1"/>
+        </a:solidFill>
+        <a:latin typeface="+mn-lt"/>
+        <a:ea typeface="+mn-ea"/>
+        <a:cs typeface="+mn-cs"/>
+      </a:defRPr>
+    </a:lvl5pPr>
+    <a:lvl6pPr marL="2286000" algn="l" defTabSz="457200" rtl="0" eaLnBrk="1" latinLnBrk="0" hangingPunct="1">
+      <a:defRPr sz="1200" kern="1200">
+        <a:solidFill>
+          <a:schemeClr val="tx1"/>
+        </a:solidFill>
+        <a:latin typeface="+mn-lt"/>
+        <a:ea typeface="+mn-ea"/>
+        <a:cs typeface="+mn-cs"/>
+      </a:defRPr>
+    </a:lvl6pPr>
+    <a:lvl7pPr marL="2743200" algn="l" defTabSz="457200" rtl="0" eaLnBrk="1" latinLnBrk="0" hangingPunct="1">
+      <a:defRPr sz="1200" kern="1200">
+        <a:solidFill>
+          <a:schemeClr val="tx1"/>
+        </a:solidFill>
+        <a:latin typeface="+mn-lt"/>
+        <a:ea typeface="+mn-ea"/>
+        <a:cs typeface="+mn-cs"/>
+      </a:defRPr>
+    </a:lvl7pPr>
+    <a:lvl8pPr marL="3200400" algn="l" defTabSz="457200" rtl="0" eaLnBrk="1" latinLnBrk="0" hangingPunct="1">
+      <a:defRPr sz="1200" kern="1200">
+        <a:solidFill>
+          <a:schemeClr val="tx1"/>
+        </a:solidFill>
+        <a:latin typeface="+mn-lt"/>
+        <a:ea typeface="+mn-ea"/>
+        <a:cs typeface="+mn-cs"/>
+      </a:defRPr>
+    </a:lvl8pPr>
+    <a:lvl9pPr marL="3657600" algn="l" defTabSz="457200" rtl="0" eaLnBrk="1" latinLnBrk="0" hangingPunct="1">
+      <a:defRPr sz="1200" kern="1200">
+        <a:solidFill>
+          <a:schemeClr val="tx1"/>
+        </a:solidFill>
+        <a:latin typeface="+mn-lt"/>
+        <a:ea typeface="+mn-ea"/>
+        <a:cs typeface="+mn-cs"/>
+      </a:defRPr>
+    </a:lvl9pPr>
+  </p:notesStyle>
+</p:notesMaster>
+</file>
+
+<file path=ppt/notesSlides/notesSlide1.xml><?xml version="1.0" encoding="utf-8"?>
+<p:notes xmlns:a="http://schemas.openxmlformats.org/drawingml/2006/main" xmlns:r="http://schemas.openxmlformats.org/officeDocument/2006/relationships" xmlns:p="http://schemas.openxmlformats.org/presentationml/2006/main">
+  <p:cSld>
+    <p:spTree>
+      <p:nvGrpSpPr>
+        <p:cNvPr id="1" name=""/>
+        <p:cNvGrpSpPr/>
+        <p:nvPr/>
+      </p:nvGrpSpPr>
+      <p:grpSpPr>
+        <a:xfrm>
+          <a:off x="0" y="0"/>
+          <a:ext cx="0" cy="0"/>
+          <a:chOff x="0" y="0"/>
+          <a:chExt cx="0" cy="0"/>
+        </a:xfrm>
+      </p:grpSpPr>
+      <p:sp>
+        <p:nvSpPr>
+          <p:cNvPr id="2" name="幻灯片图像占位符 1"/>
+          <p:cNvSpPr>
+            <a:spLocks noGrp="1" noRot="1" noChangeAspect="1"/>
+          </p:cNvSpPr>
+          <p:nvPr>
+            <p:ph type="sldImg"/>
+          </p:nvPr>
+        </p:nvSpPr>
+        <p:spPr/>
+      </p:sp>
+      <p:sp>
+        <p:nvSpPr>
+          <p:cNvPr id="3" name="备注占位符 2"/>
+          <p:cNvSpPr>
+            <a:spLocks noGrp="1"/>
+          </p:cNvSpPr>
+          <p:nvPr>
+            <p:ph type="body" idx="1"/>
+          </p:nvPr>
+        </p:nvSpPr>
+        <p:spPr/>
+        <p:txBody>
+          <a:bodyPr/>
+          <a:lstStyle/>
+          <a:p>
+            <a:r>
+              <a:rPr kumimoji="1" lang="en-US" altLang="zh-CN" dirty="0" smtClean="0"/>
+              <a:t>Note</a:t>
+            </a:r>
+            <a:r>
+              <a:rPr kumimoji="1" lang="en-US" altLang="zh-CN" baseline="0" dirty="0" smtClean="0"/>
+              <a:t> : </a:t>
+            </a:r>
+            <a:r>
+              <a:rPr kumimoji="1" lang="en-US" altLang="zh-CN" baseline="0" dirty="0" err="1" smtClean="0"/>
+              <a:t>git</a:t>
+            </a:r>
+            <a:r>
+              <a:rPr kumimoji="1" lang="en-US" altLang="zh-CN" baseline="0" dirty="0" smtClean="0"/>
+              <a:t> </a:t>
+            </a:r>
+            <a:r>
+              <a:rPr kumimoji="1" lang="zh-CN" altLang="en-US" baseline="0" dirty="0" smtClean="0"/>
+              <a:t>最大的好处就是一个目录即可以做主干相关的开发也可以做分支相关的开发，不需要象</a:t>
+            </a:r>
+            <a:r>
+              <a:rPr kumimoji="1" lang="en-US" altLang="zh-CN" baseline="0" dirty="0" smtClean="0"/>
+              <a:t>SVN</a:t>
+            </a:r>
+            <a:r>
+              <a:rPr kumimoji="1" lang="zh-CN" altLang="en-US" baseline="0" dirty="0" smtClean="0"/>
+              <a:t>好样，需要把主干</a:t>
+            </a:r>
+            <a:r>
+              <a:rPr kumimoji="1" lang="en-US" altLang="zh-CN" baseline="0" dirty="0" smtClean="0"/>
+              <a:t>checkout</a:t>
+            </a:r>
+            <a:r>
+              <a:rPr kumimoji="1" lang="zh-CN" altLang="en-US" baseline="0" dirty="0" smtClean="0"/>
+              <a:t>到一个目录，分支</a:t>
+            </a:r>
+            <a:r>
+              <a:rPr kumimoji="1" lang="en-US" altLang="zh-CN" baseline="0" dirty="0" smtClean="0"/>
+              <a:t>checkout</a:t>
+            </a:r>
+            <a:r>
+              <a:rPr kumimoji="1" lang="zh-CN" altLang="en-US" baseline="0" dirty="0" smtClean="0"/>
+              <a:t>到另一个目录。</a:t>
+            </a:r>
+            <a:endParaRPr kumimoji="1" lang="en-US" altLang="zh-CN" baseline="0" dirty="0" smtClean="0"/>
+          </a:p>
+          <a:p>
+            <a:endParaRPr kumimoji="1" lang="zh-CN" altLang="en-US" dirty="0"/>
+          </a:p>
+        </p:txBody>
+      </p:sp>
+      <p:sp>
+        <p:nvSpPr>
+          <p:cNvPr id="4" name="幻灯片编号占位符 3"/>
+          <p:cNvSpPr>
+            <a:spLocks noGrp="1"/>
+          </p:cNvSpPr>
+          <p:nvPr>
+            <p:ph type="sldNum" sz="quarter" idx="10"/>
+          </p:nvPr>
+        </p:nvSpPr>
+        <p:spPr/>
+        <p:txBody>
+          <a:bodyPr/>
+          <a:lstStyle/>
+          <a:p>
+            <a:fld id="{7F0544C0-F843-4E4E-A999-97A2EEC882A9}" type="slidenum">
+              <a:rPr kumimoji="1" lang="zh-CN" altLang="en-US" smtClean="0"/>
+              <a:t>16</a:t>
+            </a:fld>
+            <a:endParaRPr kumimoji="1" lang="zh-CN" altLang="en-US"/>
+          </a:p>
+        </p:txBody>
+      </p:sp>
+    </p:spTree>
+    <p:extLst>
+      <p:ext uri="{BB962C8B-B14F-4D97-AF65-F5344CB8AC3E}">
+        <p14:creationId xmlns:p14="http://schemas.microsoft.com/office/powerpoint/2010/main" val="172996946"/>
+      </p:ext>
+    </p:extLst>
+  </p:cSld>
+  <p:clrMapOvr>
+    <a:masterClrMapping/>
+  </p:clrMapOvr>
+</p:notes>
+</file>
+
+<file path=ppt/notesSlides/notesSlide10.xml><?xml version="1.0" encoding="utf-8"?>
+<p:notes xmlns:a="http://schemas.openxmlformats.org/drawingml/2006/main" xmlns:r="http://schemas.openxmlformats.org/officeDocument/2006/relationships" xmlns:p="http://schemas.openxmlformats.org/presentationml/2006/main">
+  <p:cSld>
+    <p:spTree>
+      <p:nvGrpSpPr>
+        <p:cNvPr id="1" name=""/>
+        <p:cNvGrpSpPr/>
+        <p:nvPr/>
+      </p:nvGrpSpPr>
+      <p:grpSpPr>
+        <a:xfrm>
+          <a:off x="0" y="0"/>
+          <a:ext cx="0" cy="0"/>
+          <a:chOff x="0" y="0"/>
+          <a:chExt cx="0" cy="0"/>
+        </a:xfrm>
+      </p:grpSpPr>
+      <p:sp>
+        <p:nvSpPr>
+          <p:cNvPr id="2" name="幻灯片图像占位符 1"/>
+          <p:cNvSpPr>
+            <a:spLocks noGrp="1" noRot="1" noChangeAspect="1"/>
+          </p:cNvSpPr>
+          <p:nvPr>
+            <p:ph type="sldImg"/>
+          </p:nvPr>
+        </p:nvSpPr>
+        <p:spPr/>
+      </p:sp>
+      <p:sp>
+        <p:nvSpPr>
+          <p:cNvPr id="3" name="备注占位符 2"/>
+          <p:cNvSpPr>
+            <a:spLocks noGrp="1"/>
+          </p:cNvSpPr>
+          <p:nvPr>
+            <p:ph type="body" idx="1"/>
+          </p:nvPr>
+        </p:nvSpPr>
+        <p:spPr/>
+        <p:txBody>
+          <a:bodyPr/>
+          <a:lstStyle/>
+          <a:p>
+            <a:endParaRPr kumimoji="1" lang="zh-CN" altLang="en-US" dirty="0"/>
+          </a:p>
+        </p:txBody>
+      </p:sp>
+      <p:sp>
+        <p:nvSpPr>
+          <p:cNvPr id="4" name="幻灯片编号占位符 3"/>
+          <p:cNvSpPr>
+            <a:spLocks noGrp="1"/>
+          </p:cNvSpPr>
+          <p:nvPr>
+            <p:ph type="sldNum" sz="quarter" idx="10"/>
+          </p:nvPr>
+        </p:nvSpPr>
+        <p:spPr/>
+        <p:txBody>
+          <a:bodyPr/>
+          <a:lstStyle/>
+          <a:p>
+            <a:fld id="{7F0544C0-F843-4E4E-A999-97A2EEC882A9}" type="slidenum">
+              <a:rPr kumimoji="1" lang="zh-CN" altLang="en-US" smtClean="0"/>
+              <a:t>25</a:t>
+            </a:fld>
+            <a:endParaRPr kumimoji="1" lang="zh-CN" altLang="en-US"/>
+          </a:p>
+        </p:txBody>
+      </p:sp>
+    </p:spTree>
+    <p:extLst>
+      <p:ext uri="{BB962C8B-B14F-4D97-AF65-F5344CB8AC3E}">
+        <p14:creationId xmlns:p14="http://schemas.microsoft.com/office/powerpoint/2010/main" val="172996946"/>
+      </p:ext>
+    </p:extLst>
+  </p:cSld>
+  <p:clrMapOvr>
+    <a:masterClrMapping/>
+  </p:clrMapOvr>
+</p:notes>
+</file>
+
+<file path=ppt/notesSlides/notesSlide11.xml><?xml version="1.0" encoding="utf-8"?>
+<p:notes xmlns:a="http://schemas.openxmlformats.org/drawingml/2006/main" xmlns:r="http://schemas.openxmlformats.org/officeDocument/2006/relationships" xmlns:p="http://schemas.openxmlformats.org/presentationml/2006/main">
+  <p:cSld>
+    <p:spTree>
+      <p:nvGrpSpPr>
+        <p:cNvPr id="1" name=""/>
+        <p:cNvGrpSpPr/>
+        <p:nvPr/>
+      </p:nvGrpSpPr>
+      <p:grpSpPr>
+        <a:xfrm>
+          <a:off x="0" y="0"/>
+          <a:ext cx="0" cy="0"/>
+          <a:chOff x="0" y="0"/>
+          <a:chExt cx="0" cy="0"/>
+        </a:xfrm>
+      </p:grpSpPr>
+      <p:sp>
+        <p:nvSpPr>
+          <p:cNvPr id="2" name="幻灯片图像占位符 1"/>
+          <p:cNvSpPr>
+            <a:spLocks noGrp="1" noRot="1" noChangeAspect="1"/>
+          </p:cNvSpPr>
+          <p:nvPr>
+            <p:ph type="sldImg"/>
+          </p:nvPr>
+        </p:nvSpPr>
+        <p:spPr/>
+      </p:sp>
+      <p:sp>
+        <p:nvSpPr>
+          <p:cNvPr id="3" name="备注占位符 2"/>
+          <p:cNvSpPr>
+            <a:spLocks noGrp="1"/>
+          </p:cNvSpPr>
+          <p:nvPr>
+            <p:ph type="body" idx="1"/>
+          </p:nvPr>
+        </p:nvSpPr>
+        <p:spPr/>
+        <p:txBody>
+          <a:bodyPr/>
+          <a:lstStyle/>
+          <a:p>
+            <a:endParaRPr kumimoji="1" lang="zh-CN" altLang="en-US" dirty="0"/>
+          </a:p>
+        </p:txBody>
+      </p:sp>
+      <p:sp>
+        <p:nvSpPr>
+          <p:cNvPr id="4" name="幻灯片编号占位符 3"/>
+          <p:cNvSpPr>
+            <a:spLocks noGrp="1"/>
+          </p:cNvSpPr>
+          <p:nvPr>
+            <p:ph type="sldNum" sz="quarter" idx="10"/>
+          </p:nvPr>
+        </p:nvSpPr>
+        <p:spPr/>
+        <p:txBody>
+          <a:bodyPr/>
+          <a:lstStyle/>
+          <a:p>
+            <a:fld id="{7F0544C0-F843-4E4E-A999-97A2EEC882A9}" type="slidenum">
+              <a:rPr kumimoji="1" lang="zh-CN" altLang="en-US" smtClean="0"/>
+              <a:t>26</a:t>
+            </a:fld>
+            <a:endParaRPr kumimoji="1" lang="zh-CN" altLang="en-US"/>
+          </a:p>
+        </p:txBody>
+      </p:sp>
+    </p:spTree>
+    <p:extLst>
+      <p:ext uri="{BB962C8B-B14F-4D97-AF65-F5344CB8AC3E}">
+        <p14:creationId xmlns:p14="http://schemas.microsoft.com/office/powerpoint/2010/main" val="172996946"/>
+      </p:ext>
+    </p:extLst>
+  </p:cSld>
+  <p:clrMapOvr>
+    <a:masterClrMapping/>
+  </p:clrMapOvr>
+</p:notes>
+</file>
+
+<file path=ppt/notesSlides/notesSlide2.xml><?xml version="1.0" encoding="utf-8"?>
+<p:notes xmlns:a="http://schemas.openxmlformats.org/drawingml/2006/main" xmlns:r="http://schemas.openxmlformats.org/officeDocument/2006/relationships" xmlns:p="http://schemas.openxmlformats.org/presentationml/2006/main">
+  <p:cSld>
+    <p:spTree>
+      <p:nvGrpSpPr>
+        <p:cNvPr id="1" name=""/>
+        <p:cNvGrpSpPr/>
+        <p:nvPr/>
+      </p:nvGrpSpPr>
+      <p:grpSpPr>
+        <a:xfrm>
+          <a:off x="0" y="0"/>
+          <a:ext cx="0" cy="0"/>
+          <a:chOff x="0" y="0"/>
+          <a:chExt cx="0" cy="0"/>
+        </a:xfrm>
+      </p:grpSpPr>
+      <p:sp>
+        <p:nvSpPr>
+          <p:cNvPr id="2" name="幻灯片图像占位符 1"/>
+          <p:cNvSpPr>
+            <a:spLocks noGrp="1" noRot="1" noChangeAspect="1"/>
+          </p:cNvSpPr>
+          <p:nvPr>
+            <p:ph type="sldImg"/>
+          </p:nvPr>
+        </p:nvSpPr>
+        <p:spPr/>
+      </p:sp>
+      <p:sp>
+        <p:nvSpPr>
+          <p:cNvPr id="3" name="备注占位符 2"/>
+          <p:cNvSpPr>
+            <a:spLocks noGrp="1"/>
+          </p:cNvSpPr>
+          <p:nvPr>
+            <p:ph type="body" idx="1"/>
+          </p:nvPr>
+        </p:nvSpPr>
+        <p:spPr/>
+        <p:txBody>
+          <a:bodyPr/>
+          <a:lstStyle/>
+          <a:p>
+            <a:endParaRPr kumimoji="1" lang="zh-CN" altLang="en-US" dirty="0"/>
+          </a:p>
+        </p:txBody>
+      </p:sp>
+      <p:sp>
+        <p:nvSpPr>
+          <p:cNvPr id="4" name="幻灯片编号占位符 3"/>
+          <p:cNvSpPr>
+            <a:spLocks noGrp="1"/>
+          </p:cNvSpPr>
+          <p:nvPr>
+            <p:ph type="sldNum" sz="quarter" idx="10"/>
+          </p:nvPr>
+        </p:nvSpPr>
+        <p:spPr/>
+        <p:txBody>
+          <a:bodyPr/>
+          <a:lstStyle/>
+          <a:p>
+            <a:fld id="{7F0544C0-F843-4E4E-A999-97A2EEC882A9}" type="slidenum">
+              <a:rPr kumimoji="1" lang="zh-CN" altLang="en-US" smtClean="0"/>
+              <a:t>17</a:t>
+            </a:fld>
+            <a:endParaRPr kumimoji="1" lang="zh-CN" altLang="en-US"/>
+          </a:p>
+        </p:txBody>
+      </p:sp>
+    </p:spTree>
+    <p:extLst>
+      <p:ext uri="{BB962C8B-B14F-4D97-AF65-F5344CB8AC3E}">
+        <p14:creationId xmlns:p14="http://schemas.microsoft.com/office/powerpoint/2010/main" val="172996946"/>
+      </p:ext>
+    </p:extLst>
+  </p:cSld>
+  <p:clrMapOvr>
+    <a:masterClrMapping/>
+  </p:clrMapOvr>
+</p:notes>
+</file>
+
+<file path=ppt/notesSlides/notesSlide3.xml><?xml version="1.0" encoding="utf-8"?>
+<p:notes xmlns:a="http://schemas.openxmlformats.org/drawingml/2006/main" xmlns:r="http://schemas.openxmlformats.org/officeDocument/2006/relationships" xmlns:p="http://schemas.openxmlformats.org/presentationml/2006/main">
+  <p:cSld>
+    <p:spTree>
+      <p:nvGrpSpPr>
+        <p:cNvPr id="1" name=""/>
+        <p:cNvGrpSpPr/>
+        <p:nvPr/>
+      </p:nvGrpSpPr>
+      <p:grpSpPr>
+        <a:xfrm>
+          <a:off x="0" y="0"/>
+          <a:ext cx="0" cy="0"/>
+          <a:chOff x="0" y="0"/>
+          <a:chExt cx="0" cy="0"/>
+        </a:xfrm>
+      </p:grpSpPr>
+      <p:sp>
+        <p:nvSpPr>
+          <p:cNvPr id="2" name="幻灯片图像占位符 1"/>
+          <p:cNvSpPr>
+            <a:spLocks noGrp="1" noRot="1" noChangeAspect="1"/>
+          </p:cNvSpPr>
+          <p:nvPr>
+            <p:ph type="sldImg"/>
+          </p:nvPr>
+        </p:nvSpPr>
+        <p:spPr/>
+      </p:sp>
+      <p:sp>
+        <p:nvSpPr>
+          <p:cNvPr id="3" name="备注占位符 2"/>
+          <p:cNvSpPr>
+            <a:spLocks noGrp="1"/>
+          </p:cNvSpPr>
+          <p:nvPr>
+            <p:ph type="body" idx="1"/>
+          </p:nvPr>
+        </p:nvSpPr>
+        <p:spPr/>
+        <p:txBody>
+          <a:bodyPr/>
+          <a:lstStyle/>
+          <a:p>
+            <a:endParaRPr kumimoji="1" lang="zh-CN" altLang="en-US" dirty="0"/>
+          </a:p>
+        </p:txBody>
+      </p:sp>
+      <p:sp>
+        <p:nvSpPr>
+          <p:cNvPr id="4" name="幻灯片编号占位符 3"/>
+          <p:cNvSpPr>
+            <a:spLocks noGrp="1"/>
+          </p:cNvSpPr>
+          <p:nvPr>
+            <p:ph type="sldNum" sz="quarter" idx="10"/>
+          </p:nvPr>
+        </p:nvSpPr>
+        <p:spPr/>
+        <p:txBody>
+          <a:bodyPr/>
+          <a:lstStyle/>
+          <a:p>
+            <a:fld id="{7F0544C0-F843-4E4E-A999-97A2EEC882A9}" type="slidenum">
+              <a:rPr kumimoji="1" lang="zh-CN" altLang="en-US" smtClean="0"/>
+              <a:t>18</a:t>
+            </a:fld>
+            <a:endParaRPr kumimoji="1" lang="zh-CN" altLang="en-US"/>
+          </a:p>
+        </p:txBody>
+      </p:sp>
+    </p:spTree>
+    <p:extLst>
+      <p:ext uri="{BB962C8B-B14F-4D97-AF65-F5344CB8AC3E}">
+        <p14:creationId xmlns:p14="http://schemas.microsoft.com/office/powerpoint/2010/main" val="172996946"/>
+      </p:ext>
+    </p:extLst>
+  </p:cSld>
+  <p:clrMapOvr>
+    <a:masterClrMapping/>
+  </p:clrMapOvr>
+</p:notes>
+</file>
+
+<file path=ppt/notesSlides/notesSlide4.xml><?xml version="1.0" encoding="utf-8"?>
+<p:notes xmlns:a="http://schemas.openxmlformats.org/drawingml/2006/main" xmlns:r="http://schemas.openxmlformats.org/officeDocument/2006/relationships" xmlns:p="http://schemas.openxmlformats.org/presentationml/2006/main">
+  <p:cSld>
+    <p:spTree>
+      <p:nvGrpSpPr>
+        <p:cNvPr id="1" name=""/>
+        <p:cNvGrpSpPr/>
+        <p:nvPr/>
+      </p:nvGrpSpPr>
+      <p:grpSpPr>
+        <a:xfrm>
+          <a:off x="0" y="0"/>
+          <a:ext cx="0" cy="0"/>
+          <a:chOff x="0" y="0"/>
+          <a:chExt cx="0" cy="0"/>
+        </a:xfrm>
+      </p:grpSpPr>
+      <p:sp>
+        <p:nvSpPr>
+          <p:cNvPr id="2" name="幻灯片图像占位符 1"/>
+          <p:cNvSpPr>
+            <a:spLocks noGrp="1" noRot="1" noChangeAspect="1"/>
+          </p:cNvSpPr>
+          <p:nvPr>
+            <p:ph type="sldImg"/>
+          </p:nvPr>
+        </p:nvSpPr>
+        <p:spPr/>
+      </p:sp>
+      <p:sp>
+        <p:nvSpPr>
+          <p:cNvPr id="3" name="备注占位符 2"/>
+          <p:cNvSpPr>
+            <a:spLocks noGrp="1"/>
+          </p:cNvSpPr>
+          <p:nvPr>
+            <p:ph type="body" idx="1"/>
+          </p:nvPr>
+        </p:nvSpPr>
+        <p:spPr/>
+        <p:txBody>
+          <a:bodyPr/>
+          <a:lstStyle/>
+          <a:p>
+            <a:endParaRPr kumimoji="1" lang="zh-CN" altLang="en-US" dirty="0"/>
+          </a:p>
+        </p:txBody>
+      </p:sp>
+      <p:sp>
+        <p:nvSpPr>
+          <p:cNvPr id="4" name="幻灯片编号占位符 3"/>
+          <p:cNvSpPr>
+            <a:spLocks noGrp="1"/>
+          </p:cNvSpPr>
+          <p:nvPr>
+            <p:ph type="sldNum" sz="quarter" idx="10"/>
+          </p:nvPr>
+        </p:nvSpPr>
+        <p:spPr/>
+        <p:txBody>
+          <a:bodyPr/>
+          <a:lstStyle/>
+          <a:p>
+            <a:fld id="{7F0544C0-F843-4E4E-A999-97A2EEC882A9}" type="slidenum">
+              <a:rPr kumimoji="1" lang="zh-CN" altLang="en-US" smtClean="0"/>
+              <a:t>19</a:t>
+            </a:fld>
+            <a:endParaRPr kumimoji="1" lang="zh-CN" altLang="en-US"/>
+          </a:p>
+        </p:txBody>
+      </p:sp>
+    </p:spTree>
+    <p:extLst>
+      <p:ext uri="{BB962C8B-B14F-4D97-AF65-F5344CB8AC3E}">
+        <p14:creationId xmlns:p14="http://schemas.microsoft.com/office/powerpoint/2010/main" val="172996946"/>
+      </p:ext>
+    </p:extLst>
+  </p:cSld>
+  <p:clrMapOvr>
+    <a:masterClrMapping/>
+  </p:clrMapOvr>
+</p:notes>
+</file>
+
+<file path=ppt/notesSlides/notesSlide5.xml><?xml version="1.0" encoding="utf-8"?>
+<p:notes xmlns:a="http://schemas.openxmlformats.org/drawingml/2006/main" xmlns:r="http://schemas.openxmlformats.org/officeDocument/2006/relationships" xmlns:p="http://schemas.openxmlformats.org/presentationml/2006/main">
+  <p:cSld>
+    <p:spTree>
+      <p:nvGrpSpPr>
+        <p:cNvPr id="1" name=""/>
+        <p:cNvGrpSpPr/>
+        <p:nvPr/>
+      </p:nvGrpSpPr>
+      <p:grpSpPr>
+        <a:xfrm>
+          <a:off x="0" y="0"/>
+          <a:ext cx="0" cy="0"/>
+          <a:chOff x="0" y="0"/>
+          <a:chExt cx="0" cy="0"/>
+        </a:xfrm>
+      </p:grpSpPr>
+      <p:sp>
+        <p:nvSpPr>
+          <p:cNvPr id="2" name="幻灯片图像占位符 1"/>
+          <p:cNvSpPr>
+            <a:spLocks noGrp="1" noRot="1" noChangeAspect="1"/>
+          </p:cNvSpPr>
+          <p:nvPr>
+            <p:ph type="sldImg"/>
+          </p:nvPr>
+        </p:nvSpPr>
+        <p:spPr/>
+      </p:sp>
+      <p:sp>
+        <p:nvSpPr>
+          <p:cNvPr id="3" name="备注占位符 2"/>
+          <p:cNvSpPr>
+            <a:spLocks noGrp="1"/>
+          </p:cNvSpPr>
+          <p:nvPr>
+            <p:ph type="body" idx="1"/>
+          </p:nvPr>
+        </p:nvSpPr>
+        <p:spPr/>
+        <p:txBody>
+          <a:bodyPr/>
+          <a:lstStyle/>
+          <a:p>
+            <a:endParaRPr kumimoji="1" lang="zh-CN" altLang="en-US" dirty="0"/>
+          </a:p>
+        </p:txBody>
+      </p:sp>
+      <p:sp>
+        <p:nvSpPr>
+          <p:cNvPr id="4" name="幻灯片编号占位符 3"/>
+          <p:cNvSpPr>
+            <a:spLocks noGrp="1"/>
+          </p:cNvSpPr>
+          <p:nvPr>
+            <p:ph type="sldNum" sz="quarter" idx="10"/>
+          </p:nvPr>
+        </p:nvSpPr>
+        <p:spPr/>
+        <p:txBody>
+          <a:bodyPr/>
+          <a:lstStyle/>
+          <a:p>
+            <a:fld id="{7F0544C0-F843-4E4E-A999-97A2EEC882A9}" type="slidenum">
+              <a:rPr kumimoji="1" lang="zh-CN" altLang="en-US" smtClean="0"/>
+              <a:t>20</a:t>
+            </a:fld>
+            <a:endParaRPr kumimoji="1" lang="zh-CN" altLang="en-US"/>
+          </a:p>
+        </p:txBody>
+      </p:sp>
+    </p:spTree>
+    <p:extLst>
+      <p:ext uri="{BB962C8B-B14F-4D97-AF65-F5344CB8AC3E}">
+        <p14:creationId xmlns:p14="http://schemas.microsoft.com/office/powerpoint/2010/main" val="172996946"/>
+      </p:ext>
+    </p:extLst>
+  </p:cSld>
+  <p:clrMapOvr>
+    <a:masterClrMapping/>
+  </p:clrMapOvr>
+</p:notes>
+</file>
+
+<file path=ppt/notesSlides/notesSlide6.xml><?xml version="1.0" encoding="utf-8"?>
+<p:notes xmlns:a="http://schemas.openxmlformats.org/drawingml/2006/main" xmlns:r="http://schemas.openxmlformats.org/officeDocument/2006/relationships" xmlns:p="http://schemas.openxmlformats.org/presentationml/2006/main">
+  <p:cSld>
+    <p:spTree>
+      <p:nvGrpSpPr>
+        <p:cNvPr id="1" name=""/>
+        <p:cNvGrpSpPr/>
+        <p:nvPr/>
+      </p:nvGrpSpPr>
+      <p:grpSpPr>
+        <a:xfrm>
+          <a:off x="0" y="0"/>
+          <a:ext cx="0" cy="0"/>
+          <a:chOff x="0" y="0"/>
+          <a:chExt cx="0" cy="0"/>
+        </a:xfrm>
+      </p:grpSpPr>
+      <p:sp>
+        <p:nvSpPr>
+          <p:cNvPr id="2" name="幻灯片图像占位符 1"/>
+          <p:cNvSpPr>
+            <a:spLocks noGrp="1" noRot="1" noChangeAspect="1"/>
+          </p:cNvSpPr>
+          <p:nvPr>
+            <p:ph type="sldImg"/>
+          </p:nvPr>
+        </p:nvSpPr>
+        <p:spPr/>
+      </p:sp>
+      <p:sp>
+        <p:nvSpPr>
+          <p:cNvPr id="3" name="备注占位符 2"/>
+          <p:cNvSpPr>
+            <a:spLocks noGrp="1"/>
+          </p:cNvSpPr>
+          <p:nvPr>
+            <p:ph type="body" idx="1"/>
+          </p:nvPr>
+        </p:nvSpPr>
+        <p:spPr/>
+        <p:txBody>
+          <a:bodyPr/>
+          <a:lstStyle/>
+          <a:p>
+            <a:endParaRPr kumimoji="1" lang="zh-CN" altLang="en-US" dirty="0"/>
+          </a:p>
+        </p:txBody>
+      </p:sp>
+      <p:sp>
+        <p:nvSpPr>
+          <p:cNvPr id="4" name="幻灯片编号占位符 3"/>
+          <p:cNvSpPr>
+            <a:spLocks noGrp="1"/>
+          </p:cNvSpPr>
+          <p:nvPr>
+            <p:ph type="sldNum" sz="quarter" idx="10"/>
+          </p:nvPr>
+        </p:nvSpPr>
+        <p:spPr/>
+        <p:txBody>
+          <a:bodyPr/>
+          <a:lstStyle/>
+          <a:p>
+            <a:fld id="{7F0544C0-F843-4E4E-A999-97A2EEC882A9}" type="slidenum">
+              <a:rPr kumimoji="1" lang="zh-CN" altLang="en-US" smtClean="0"/>
+              <a:t>21</a:t>
+            </a:fld>
+            <a:endParaRPr kumimoji="1" lang="zh-CN" altLang="en-US"/>
+          </a:p>
+        </p:txBody>
+      </p:sp>
+    </p:spTree>
+    <p:extLst>
+      <p:ext uri="{BB962C8B-B14F-4D97-AF65-F5344CB8AC3E}">
+        <p14:creationId xmlns:p14="http://schemas.microsoft.com/office/powerpoint/2010/main" val="172996946"/>
+      </p:ext>
+    </p:extLst>
+  </p:cSld>
+  <p:clrMapOvr>
+    <a:masterClrMapping/>
+  </p:clrMapOvr>
+</p:notes>
+</file>
+
+<file path=ppt/notesSlides/notesSlide7.xml><?xml version="1.0" encoding="utf-8"?>
+<p:notes xmlns:a="http://schemas.openxmlformats.org/drawingml/2006/main" xmlns:r="http://schemas.openxmlformats.org/officeDocument/2006/relationships" xmlns:p="http://schemas.openxmlformats.org/presentationml/2006/main">
+  <p:cSld>
+    <p:spTree>
+      <p:nvGrpSpPr>
+        <p:cNvPr id="1" name=""/>
+        <p:cNvGrpSpPr/>
+        <p:nvPr/>
+      </p:nvGrpSpPr>
+      <p:grpSpPr>
+        <a:xfrm>
+          <a:off x="0" y="0"/>
+          <a:ext cx="0" cy="0"/>
+          <a:chOff x="0" y="0"/>
+          <a:chExt cx="0" cy="0"/>
+        </a:xfrm>
+      </p:grpSpPr>
+      <p:sp>
+        <p:nvSpPr>
+          <p:cNvPr id="2" name="幻灯片图像占位符 1"/>
+          <p:cNvSpPr>
+            <a:spLocks noGrp="1" noRot="1" noChangeAspect="1"/>
+          </p:cNvSpPr>
+          <p:nvPr>
+            <p:ph type="sldImg"/>
+          </p:nvPr>
+        </p:nvSpPr>
+        <p:spPr/>
+      </p:sp>
+      <p:sp>
+        <p:nvSpPr>
+          <p:cNvPr id="3" name="备注占位符 2"/>
+          <p:cNvSpPr>
+            <a:spLocks noGrp="1"/>
+          </p:cNvSpPr>
+          <p:nvPr>
+            <p:ph type="body" idx="1"/>
+          </p:nvPr>
+        </p:nvSpPr>
+        <p:spPr/>
+        <p:txBody>
+          <a:bodyPr/>
+          <a:lstStyle/>
+          <a:p>
+            <a:endParaRPr kumimoji="1" lang="zh-CN" altLang="en-US" dirty="0"/>
+          </a:p>
+        </p:txBody>
+      </p:sp>
+      <p:sp>
+        <p:nvSpPr>
+          <p:cNvPr id="4" name="幻灯片编号占位符 3"/>
+          <p:cNvSpPr>
+            <a:spLocks noGrp="1"/>
+          </p:cNvSpPr>
+          <p:nvPr>
+            <p:ph type="sldNum" sz="quarter" idx="10"/>
+          </p:nvPr>
+        </p:nvSpPr>
+        <p:spPr/>
+        <p:txBody>
+          <a:bodyPr/>
+          <a:lstStyle/>
+          <a:p>
+            <a:fld id="{7F0544C0-F843-4E4E-A999-97A2EEC882A9}" type="slidenum">
+              <a:rPr kumimoji="1" lang="zh-CN" altLang="en-US" smtClean="0"/>
+              <a:t>22</a:t>
+            </a:fld>
+            <a:endParaRPr kumimoji="1" lang="zh-CN" altLang="en-US"/>
+          </a:p>
+        </p:txBody>
+      </p:sp>
+    </p:spTree>
+    <p:extLst>
+      <p:ext uri="{BB962C8B-B14F-4D97-AF65-F5344CB8AC3E}">
+        <p14:creationId xmlns:p14="http://schemas.microsoft.com/office/powerpoint/2010/main" val="172996946"/>
+      </p:ext>
+    </p:extLst>
+  </p:cSld>
+  <p:clrMapOvr>
+    <a:masterClrMapping/>
+  </p:clrMapOvr>
+</p:notes>
+</file>
+
+<file path=ppt/notesSlides/notesSlide8.xml><?xml version="1.0" encoding="utf-8"?>
+<p:notes xmlns:a="http://schemas.openxmlformats.org/drawingml/2006/main" xmlns:r="http://schemas.openxmlformats.org/officeDocument/2006/relationships" xmlns:p="http://schemas.openxmlformats.org/presentationml/2006/main">
+  <p:cSld>
+    <p:spTree>
+      <p:nvGrpSpPr>
+        <p:cNvPr id="1" name=""/>
+        <p:cNvGrpSpPr/>
+        <p:nvPr/>
+      </p:nvGrpSpPr>
+      <p:grpSpPr>
+        <a:xfrm>
+          <a:off x="0" y="0"/>
+          <a:ext cx="0" cy="0"/>
+          <a:chOff x="0" y="0"/>
+          <a:chExt cx="0" cy="0"/>
+        </a:xfrm>
+      </p:grpSpPr>
+      <p:sp>
+        <p:nvSpPr>
+          <p:cNvPr id="2" name="幻灯片图像占位符 1"/>
+          <p:cNvSpPr>
+            <a:spLocks noGrp="1" noRot="1" noChangeAspect="1"/>
+          </p:cNvSpPr>
+          <p:nvPr>
+            <p:ph type="sldImg"/>
+          </p:nvPr>
+        </p:nvSpPr>
+        <p:spPr/>
+      </p:sp>
+      <p:sp>
+        <p:nvSpPr>
+          <p:cNvPr id="3" name="备注占位符 2"/>
+          <p:cNvSpPr>
+            <a:spLocks noGrp="1"/>
+          </p:cNvSpPr>
+          <p:nvPr>
+            <p:ph type="body" idx="1"/>
+          </p:nvPr>
+        </p:nvSpPr>
+        <p:spPr/>
+        <p:txBody>
+          <a:bodyPr/>
+          <a:lstStyle/>
+          <a:p>
+            <a:endParaRPr kumimoji="1" lang="zh-CN" altLang="en-US" dirty="0"/>
+          </a:p>
+        </p:txBody>
+      </p:sp>
+      <p:sp>
+        <p:nvSpPr>
+          <p:cNvPr id="4" name="幻灯片编号占位符 3"/>
+          <p:cNvSpPr>
+            <a:spLocks noGrp="1"/>
+          </p:cNvSpPr>
+          <p:nvPr>
+            <p:ph type="sldNum" sz="quarter" idx="10"/>
+          </p:nvPr>
+        </p:nvSpPr>
+        <p:spPr/>
+        <p:txBody>
+          <a:bodyPr/>
+          <a:lstStyle/>
+          <a:p>
+            <a:fld id="{7F0544C0-F843-4E4E-A999-97A2EEC882A9}" type="slidenum">
+              <a:rPr kumimoji="1" lang="zh-CN" altLang="en-US" smtClean="0"/>
+              <a:t>23</a:t>
+            </a:fld>
+            <a:endParaRPr kumimoji="1" lang="zh-CN" altLang="en-US"/>
+          </a:p>
+        </p:txBody>
+      </p:sp>
+    </p:spTree>
+    <p:extLst>
+      <p:ext uri="{BB962C8B-B14F-4D97-AF65-F5344CB8AC3E}">
+        <p14:creationId xmlns:p14="http://schemas.microsoft.com/office/powerpoint/2010/main" val="172996946"/>
+      </p:ext>
+    </p:extLst>
+  </p:cSld>
+  <p:clrMapOvr>
+    <a:masterClrMapping/>
+  </p:clrMapOvr>
+</p:notes>
+</file>
+
+<file path=ppt/notesSlides/notesSlide9.xml><?xml version="1.0" encoding="utf-8"?>
+<p:notes xmlns:a="http://schemas.openxmlformats.org/drawingml/2006/main" xmlns:r="http://schemas.openxmlformats.org/officeDocument/2006/relationships" xmlns:p="http://schemas.openxmlformats.org/presentationml/2006/main">
+  <p:cSld>
+    <p:spTree>
+      <p:nvGrpSpPr>
+        <p:cNvPr id="1" name=""/>
+        <p:cNvGrpSpPr/>
+        <p:nvPr/>
+      </p:nvGrpSpPr>
+      <p:grpSpPr>
+        <a:xfrm>
+          <a:off x="0" y="0"/>
+          <a:ext cx="0" cy="0"/>
+          <a:chOff x="0" y="0"/>
+          <a:chExt cx="0" cy="0"/>
+        </a:xfrm>
+      </p:grpSpPr>
+      <p:sp>
+        <p:nvSpPr>
+          <p:cNvPr id="2" name="幻灯片图像占位符 1"/>
+          <p:cNvSpPr>
+            <a:spLocks noGrp="1" noRot="1" noChangeAspect="1"/>
+          </p:cNvSpPr>
+          <p:nvPr>
+            <p:ph type="sldImg"/>
+          </p:nvPr>
+        </p:nvSpPr>
+        <p:spPr/>
+      </p:sp>
+      <p:sp>
+        <p:nvSpPr>
+          <p:cNvPr id="3" name="备注占位符 2"/>
+          <p:cNvSpPr>
+            <a:spLocks noGrp="1"/>
+          </p:cNvSpPr>
+          <p:nvPr>
+            <p:ph type="body" idx="1"/>
+          </p:nvPr>
+        </p:nvSpPr>
+        <p:spPr/>
+        <p:txBody>
+          <a:bodyPr/>
+          <a:lstStyle/>
+          <a:p>
+            <a:endParaRPr kumimoji="1" lang="zh-CN" altLang="en-US" dirty="0"/>
+          </a:p>
+        </p:txBody>
+      </p:sp>
+      <p:sp>
+        <p:nvSpPr>
+          <p:cNvPr id="4" name="幻灯片编号占位符 3"/>
+          <p:cNvSpPr>
+            <a:spLocks noGrp="1"/>
+          </p:cNvSpPr>
+          <p:nvPr>
+            <p:ph type="sldNum" sz="quarter" idx="10"/>
+          </p:nvPr>
+        </p:nvSpPr>
+        <p:spPr/>
+        <p:txBody>
+          <a:bodyPr/>
+          <a:lstStyle/>
+          <a:p>
+            <a:fld id="{7F0544C0-F843-4E4E-A999-97A2EEC882A9}" type="slidenum">
+              <a:rPr kumimoji="1" lang="zh-CN" altLang="en-US" smtClean="0"/>
+              <a:t>24</a:t>
+            </a:fld>
+            <a:endParaRPr kumimoji="1" lang="zh-CN" altLang="en-US"/>
+          </a:p>
+        </p:txBody>
+      </p:sp>
+    </p:spTree>
+    <p:extLst>
+      <p:ext uri="{BB962C8B-B14F-4D97-AF65-F5344CB8AC3E}">
+        <p14:creationId xmlns:p14="http://schemas.microsoft.com/office/powerpoint/2010/main" val="172996946"/>
+      </p:ext>
+    </p:extLst>
+  </p:cSld>
+  <p:clrMapOvr>
+    <a:masterClrMapping/>
+  </p:clrMapOvr>
+</p:notes>
 </file>
 
 <file path=ppt/slideLayouts/slideLayout1.xml><?xml version="1.0" encoding="utf-8"?>
@@ -3469,7 +4804,7 @@
           <a:p>
             <a:r>
               <a:rPr kumimoji="1" lang="en-US" altLang="zh-CN" dirty="0" smtClean="0"/>
-              <a:t>Create Branch</a:t>
+              <a:t>Create Branch 1</a:t>
             </a:r>
           </a:p>
         </p:txBody>
@@ -3568,7 +4903,7 @@
           <a:p>
             <a:r>
               <a:rPr kumimoji="1" lang="en-US" altLang="zh-CN" dirty="0" smtClean="0"/>
-              <a:t>Create Branch</a:t>
+              <a:t>Create Branch 2</a:t>
             </a:r>
           </a:p>
         </p:txBody>
@@ -3766,7 +5101,7 @@
           <a:p>
             <a:r>
               <a:rPr kumimoji="1" lang="en-US" altLang="zh-CN" dirty="0" smtClean="0"/>
-              <a:t>Master &amp; Branch</a:t>
+              <a:t>Commit Logs</a:t>
             </a:r>
           </a:p>
         </p:txBody>
@@ -3799,6 +5134,402 @@
     <p:extLst>
       <p:ext uri="{BB962C8B-B14F-4D97-AF65-F5344CB8AC3E}">
         <p14:creationId xmlns:p14="http://schemas.microsoft.com/office/powerpoint/2010/main" val="2317550442"/>
+      </p:ext>
+    </p:extLst>
+  </p:cSld>
+  <p:clrMapOvr>
+    <a:masterClrMapping/>
+  </p:clrMapOvr>
+</p:sld>
+</file>
+
+<file path=ppt/slides/slide16.xml><?xml version="1.0" encoding="utf-8"?>
+<p:sld xmlns:a="http://schemas.openxmlformats.org/drawingml/2006/main" xmlns:r="http://schemas.openxmlformats.org/officeDocument/2006/relationships" xmlns:p="http://schemas.openxmlformats.org/presentationml/2006/main">
+  <p:cSld>
+    <p:spTree>
+      <p:nvGrpSpPr>
+        <p:cNvPr id="1" name=""/>
+        <p:cNvGrpSpPr/>
+        <p:nvPr/>
+      </p:nvGrpSpPr>
+      <p:grpSpPr>
+        <a:xfrm>
+          <a:off x="0" y="0"/>
+          <a:ext cx="0" cy="0"/>
+          <a:chOff x="0" y="0"/>
+          <a:chExt cx="0" cy="0"/>
+        </a:xfrm>
+      </p:grpSpPr>
+      <p:sp>
+        <p:nvSpPr>
+          <p:cNvPr id="6" name="标题 1"/>
+          <p:cNvSpPr txBox="1">
+            <a:spLocks/>
+          </p:cNvSpPr>
+          <p:nvPr/>
+        </p:nvSpPr>
+        <p:spPr>
+          <a:xfrm>
+            <a:off x="457200" y="274638"/>
+            <a:ext cx="8229600" cy="634366"/>
+          </a:xfrm>
+          <a:prstGeom prst="rect">
+            <a:avLst/>
+          </a:prstGeom>
+        </p:spPr>
+        <p:txBody>
+          <a:bodyPr vert="horz" lIns="91440" tIns="45720" rIns="91440" bIns="45720" rtlCol="0" anchor="ctr">
+            <a:normAutofit fontScale="90000" lnSpcReduction="20000"/>
+          </a:bodyPr>
+          <a:lstStyle>
+            <a:lvl1pPr algn="ctr" defTabSz="457200" rtl="0" eaLnBrk="1" latinLnBrk="0" hangingPunct="1">
+              <a:spcBef>
+                <a:spcPct val="0"/>
+              </a:spcBef>
+              <a:buNone/>
+              <a:defRPr sz="4400" kern="1200">
+                <a:solidFill>
+                  <a:schemeClr val="tx1"/>
+                </a:solidFill>
+                <a:latin typeface="+mj-lt"/>
+                <a:ea typeface="+mj-ea"/>
+                <a:cs typeface="+mj-cs"/>
+              </a:defRPr>
+            </a:lvl1pPr>
+          </a:lstStyle>
+          <a:p>
+            <a:r>
+              <a:rPr kumimoji="1" lang="en-US" altLang="zh-CN" dirty="0" smtClean="0"/>
+              <a:t>Change Branch</a:t>
+            </a:r>
+          </a:p>
+        </p:txBody>
+      </p:sp>
+      <p:pic>
+        <p:nvPicPr>
+          <p:cNvPr id="3" name="图片 2"/>
+          <p:cNvPicPr>
+            <a:picLocks noChangeAspect="1"/>
+          </p:cNvPicPr>
+          <p:nvPr/>
+        </p:nvPicPr>
+        <p:blipFill>
+          <a:blip r:embed="rId3"/>
+          <a:stretch>
+            <a:fillRect/>
+          </a:stretch>
+        </p:blipFill>
+        <p:spPr>
+          <a:xfrm>
+            <a:off x="933855" y="909004"/>
+            <a:ext cx="7200000" cy="5217391"/>
+          </a:xfrm>
+          <a:prstGeom prst="rect">
+            <a:avLst/>
+          </a:prstGeom>
+        </p:spPr>
+      </p:pic>
+    </p:spTree>
+    <p:extLst>
+      <p:ext uri="{BB962C8B-B14F-4D97-AF65-F5344CB8AC3E}">
+        <p14:creationId xmlns:p14="http://schemas.microsoft.com/office/powerpoint/2010/main" val="4166595799"/>
+      </p:ext>
+    </p:extLst>
+  </p:cSld>
+  <p:clrMapOvr>
+    <a:masterClrMapping/>
+  </p:clrMapOvr>
+</p:sld>
+</file>
+
+<file path=ppt/slides/slide17.xml><?xml version="1.0" encoding="utf-8"?>
+<p:sld xmlns:a="http://schemas.openxmlformats.org/drawingml/2006/main" xmlns:r="http://schemas.openxmlformats.org/officeDocument/2006/relationships" xmlns:p="http://schemas.openxmlformats.org/presentationml/2006/main">
+  <p:cSld>
+    <p:spTree>
+      <p:nvGrpSpPr>
+        <p:cNvPr id="1" name=""/>
+        <p:cNvGrpSpPr/>
+        <p:nvPr/>
+      </p:nvGrpSpPr>
+      <p:grpSpPr>
+        <a:xfrm>
+          <a:off x="0" y="0"/>
+          <a:ext cx="0" cy="0"/>
+          <a:chOff x="0" y="0"/>
+          <a:chExt cx="0" cy="0"/>
+        </a:xfrm>
+      </p:grpSpPr>
+      <p:sp>
+        <p:nvSpPr>
+          <p:cNvPr id="6" name="标题 1"/>
+          <p:cNvSpPr txBox="1">
+            <a:spLocks/>
+          </p:cNvSpPr>
+          <p:nvPr/>
+        </p:nvSpPr>
+        <p:spPr>
+          <a:xfrm>
+            <a:off x="457200" y="274638"/>
+            <a:ext cx="8229600" cy="634366"/>
+          </a:xfrm>
+          <a:prstGeom prst="rect">
+            <a:avLst/>
+          </a:prstGeom>
+        </p:spPr>
+        <p:txBody>
+          <a:bodyPr vert="horz" lIns="91440" tIns="45720" rIns="91440" bIns="45720" rtlCol="0" anchor="ctr">
+            <a:normAutofit fontScale="90000" lnSpcReduction="20000"/>
+          </a:bodyPr>
+          <a:lstStyle>
+            <a:lvl1pPr algn="ctr" defTabSz="457200" rtl="0" eaLnBrk="1" latinLnBrk="0" hangingPunct="1">
+              <a:spcBef>
+                <a:spcPct val="0"/>
+              </a:spcBef>
+              <a:buNone/>
+              <a:defRPr sz="4400" kern="1200">
+                <a:solidFill>
+                  <a:schemeClr val="tx1"/>
+                </a:solidFill>
+                <a:latin typeface="+mj-lt"/>
+                <a:ea typeface="+mj-ea"/>
+                <a:cs typeface="+mj-cs"/>
+              </a:defRPr>
+            </a:lvl1pPr>
+          </a:lstStyle>
+          <a:p>
+            <a:r>
+              <a:rPr kumimoji="1" lang="en-US" altLang="zh-CN" dirty="0" smtClean="0"/>
+              <a:t>Change Branch 1</a:t>
+            </a:r>
+          </a:p>
+        </p:txBody>
+      </p:sp>
+      <p:pic>
+        <p:nvPicPr>
+          <p:cNvPr id="2" name="图片 1"/>
+          <p:cNvPicPr>
+            <a:picLocks noChangeAspect="1"/>
+          </p:cNvPicPr>
+          <p:nvPr/>
+        </p:nvPicPr>
+        <p:blipFill>
+          <a:blip r:embed="rId3"/>
+          <a:stretch>
+            <a:fillRect/>
+          </a:stretch>
+        </p:blipFill>
+        <p:spPr>
+          <a:xfrm>
+            <a:off x="933855" y="909004"/>
+            <a:ext cx="7200000" cy="5217391"/>
+          </a:xfrm>
+          <a:prstGeom prst="rect">
+            <a:avLst/>
+          </a:prstGeom>
+        </p:spPr>
+      </p:pic>
+    </p:spTree>
+    <p:extLst>
+      <p:ext uri="{BB962C8B-B14F-4D97-AF65-F5344CB8AC3E}">
+        <p14:creationId xmlns:p14="http://schemas.microsoft.com/office/powerpoint/2010/main" val="807764150"/>
+      </p:ext>
+    </p:extLst>
+  </p:cSld>
+  <p:clrMapOvr>
+    <a:masterClrMapping/>
+  </p:clrMapOvr>
+</p:sld>
+</file>
+
+<file path=ppt/slides/slide18.xml><?xml version="1.0" encoding="utf-8"?>
+<p:sld xmlns:a="http://schemas.openxmlformats.org/drawingml/2006/main" xmlns:r="http://schemas.openxmlformats.org/officeDocument/2006/relationships" xmlns:p="http://schemas.openxmlformats.org/presentationml/2006/main">
+  <p:cSld>
+    <p:spTree>
+      <p:nvGrpSpPr>
+        <p:cNvPr id="1" name=""/>
+        <p:cNvGrpSpPr/>
+        <p:nvPr/>
+      </p:nvGrpSpPr>
+      <p:grpSpPr>
+        <a:xfrm>
+          <a:off x="0" y="0"/>
+          <a:ext cx="0" cy="0"/>
+          <a:chOff x="0" y="0"/>
+          <a:chExt cx="0" cy="0"/>
+        </a:xfrm>
+      </p:grpSpPr>
+      <p:sp>
+        <p:nvSpPr>
+          <p:cNvPr id="6" name="标题 1"/>
+          <p:cNvSpPr txBox="1">
+            <a:spLocks/>
+          </p:cNvSpPr>
+          <p:nvPr/>
+        </p:nvSpPr>
+        <p:spPr>
+          <a:xfrm>
+            <a:off x="457200" y="274638"/>
+            <a:ext cx="8229600" cy="634366"/>
+          </a:xfrm>
+          <a:prstGeom prst="rect">
+            <a:avLst/>
+          </a:prstGeom>
+        </p:spPr>
+        <p:txBody>
+          <a:bodyPr vert="horz" lIns="91440" tIns="45720" rIns="91440" bIns="45720" rtlCol="0" anchor="ctr">
+            <a:normAutofit fontScale="90000" lnSpcReduction="20000"/>
+          </a:bodyPr>
+          <a:lstStyle>
+            <a:lvl1pPr algn="ctr" defTabSz="457200" rtl="0" eaLnBrk="1" latinLnBrk="0" hangingPunct="1">
+              <a:spcBef>
+                <a:spcPct val="0"/>
+              </a:spcBef>
+              <a:buNone/>
+              <a:defRPr sz="4400" kern="1200">
+                <a:solidFill>
+                  <a:schemeClr val="tx1"/>
+                </a:solidFill>
+                <a:latin typeface="+mj-lt"/>
+                <a:ea typeface="+mj-ea"/>
+                <a:cs typeface="+mj-cs"/>
+              </a:defRPr>
+            </a:lvl1pPr>
+          </a:lstStyle>
+          <a:p>
+            <a:r>
+              <a:rPr kumimoji="1" lang="en-US" altLang="zh-CN" dirty="0" smtClean="0"/>
+              <a:t>Branch Marge 2</a:t>
+            </a:r>
+          </a:p>
+        </p:txBody>
+      </p:sp>
+      <p:pic>
+        <p:nvPicPr>
+          <p:cNvPr id="2" name="图片 1"/>
+          <p:cNvPicPr>
+            <a:picLocks noChangeAspect="1"/>
+          </p:cNvPicPr>
+          <p:nvPr/>
+        </p:nvPicPr>
+        <p:blipFill>
+          <a:blip r:embed="rId3"/>
+          <a:stretch>
+            <a:fillRect/>
+          </a:stretch>
+        </p:blipFill>
+        <p:spPr>
+          <a:xfrm>
+            <a:off x="967459" y="869881"/>
+            <a:ext cx="7200000" cy="5988119"/>
+          </a:xfrm>
+          <a:prstGeom prst="rect">
+            <a:avLst/>
+          </a:prstGeom>
+        </p:spPr>
+      </p:pic>
+    </p:spTree>
+    <p:extLst>
+      <p:ext uri="{BB962C8B-B14F-4D97-AF65-F5344CB8AC3E}">
+        <p14:creationId xmlns:p14="http://schemas.microsoft.com/office/powerpoint/2010/main" val="3668812812"/>
+      </p:ext>
+    </p:extLst>
+  </p:cSld>
+  <p:clrMapOvr>
+    <a:masterClrMapping/>
+  </p:clrMapOvr>
+</p:sld>
+</file>
+
+<file path=ppt/slides/slide19.xml><?xml version="1.0" encoding="utf-8"?>
+<p:sld xmlns:a="http://schemas.openxmlformats.org/drawingml/2006/main" xmlns:r="http://schemas.openxmlformats.org/officeDocument/2006/relationships" xmlns:p="http://schemas.openxmlformats.org/presentationml/2006/main">
+  <p:cSld>
+    <p:spTree>
+      <p:nvGrpSpPr>
+        <p:cNvPr id="1" name=""/>
+        <p:cNvGrpSpPr/>
+        <p:nvPr/>
+      </p:nvGrpSpPr>
+      <p:grpSpPr>
+        <a:xfrm>
+          <a:off x="0" y="0"/>
+          <a:ext cx="0" cy="0"/>
+          <a:chOff x="0" y="0"/>
+          <a:chExt cx="0" cy="0"/>
+        </a:xfrm>
+      </p:grpSpPr>
+      <p:sp>
+        <p:nvSpPr>
+          <p:cNvPr id="6" name="标题 1"/>
+          <p:cNvSpPr txBox="1">
+            <a:spLocks/>
+          </p:cNvSpPr>
+          <p:nvPr/>
+        </p:nvSpPr>
+        <p:spPr>
+          <a:xfrm>
+            <a:off x="457200" y="274638"/>
+            <a:ext cx="8229600" cy="634366"/>
+          </a:xfrm>
+          <a:prstGeom prst="rect">
+            <a:avLst/>
+          </a:prstGeom>
+        </p:spPr>
+        <p:txBody>
+          <a:bodyPr vert="horz" lIns="91440" tIns="45720" rIns="91440" bIns="45720" rtlCol="0" anchor="ctr">
+            <a:normAutofit fontScale="90000" lnSpcReduction="20000"/>
+          </a:bodyPr>
+          <a:lstStyle>
+            <a:lvl1pPr algn="ctr" defTabSz="457200" rtl="0" eaLnBrk="1" latinLnBrk="0" hangingPunct="1">
+              <a:spcBef>
+                <a:spcPct val="0"/>
+              </a:spcBef>
+              <a:buNone/>
+              <a:defRPr sz="4400" kern="1200">
+                <a:solidFill>
+                  <a:schemeClr val="tx1"/>
+                </a:solidFill>
+                <a:latin typeface="+mj-lt"/>
+                <a:ea typeface="+mj-ea"/>
+                <a:cs typeface="+mj-cs"/>
+              </a:defRPr>
+            </a:lvl1pPr>
+          </a:lstStyle>
+          <a:p>
+            <a:r>
+              <a:rPr kumimoji="1" lang="en-US" altLang="zh-CN" dirty="0" smtClean="0"/>
+              <a:t>Add Remote 1</a:t>
+            </a:r>
+          </a:p>
+        </p:txBody>
+      </p:sp>
+      <p:pic>
+        <p:nvPicPr>
+          <p:cNvPr id="3" name="图片 2"/>
+          <p:cNvPicPr>
+            <a:picLocks noChangeAspect="1"/>
+          </p:cNvPicPr>
+          <p:nvPr/>
+        </p:nvPicPr>
+        <p:blipFill>
+          <a:blip r:embed="rId3"/>
+          <a:stretch>
+            <a:fillRect/>
+          </a:stretch>
+        </p:blipFill>
+        <p:spPr>
+          <a:xfrm>
+            <a:off x="971210" y="909004"/>
+            <a:ext cx="7200000" cy="5217391"/>
+          </a:xfrm>
+          <a:prstGeom prst="rect">
+            <a:avLst/>
+          </a:prstGeom>
+        </p:spPr>
+      </p:pic>
+    </p:spTree>
+    <p:extLst>
+      <p:ext uri="{BB962C8B-B14F-4D97-AF65-F5344CB8AC3E}">
+        <p14:creationId xmlns:p14="http://schemas.microsoft.com/office/powerpoint/2010/main" val="3478044096"/>
       </p:ext>
     </p:extLst>
   </p:cSld>
@@ -3875,6 +5606,18 @@
               <a:rPr kumimoji="1" lang="en-US" altLang="zh-CN" dirty="0" smtClean="0"/>
               <a:t>Subversion</a:t>
             </a:r>
+            <a:r>
+              <a:rPr kumimoji="1" lang="zh-CN" altLang="en-US" dirty="0" smtClean="0"/>
+              <a:t> </a:t>
+            </a:r>
+            <a:r>
+              <a:rPr kumimoji="1" lang="en-US" altLang="zh-CN" dirty="0" smtClean="0"/>
+              <a:t>A</a:t>
+            </a:r>
+            <a:r>
+              <a:rPr kumimoji="1" lang="en-US" altLang="zh-CN" dirty="0" smtClean="0"/>
+              <a:t>rchitecture</a:t>
+            </a:r>
             <a:endParaRPr kumimoji="1" lang="zh-CN" altLang="en-US" dirty="0"/>
           </a:p>
         </p:txBody>
@@ -3883,6 +5626,740 @@
     <p:extLst>
       <p:ext uri="{BB962C8B-B14F-4D97-AF65-F5344CB8AC3E}">
         <p14:creationId xmlns:p14="http://schemas.microsoft.com/office/powerpoint/2010/main" val="1340354504"/>
+      </p:ext>
+    </p:extLst>
+  </p:cSld>
+  <p:clrMapOvr>
+    <a:masterClrMapping/>
+  </p:clrMapOvr>
+</p:sld>
+</file>
+
+<file path=ppt/slides/slide20.xml><?xml version="1.0" encoding="utf-8"?>
+<p:sld xmlns:a="http://schemas.openxmlformats.org/drawingml/2006/main" xmlns:r="http://schemas.openxmlformats.org/officeDocument/2006/relationships" xmlns:p="http://schemas.openxmlformats.org/presentationml/2006/main">
+  <p:cSld>
+    <p:spTree>
+      <p:nvGrpSpPr>
+        <p:cNvPr id="1" name=""/>
+        <p:cNvGrpSpPr/>
+        <p:nvPr/>
+      </p:nvGrpSpPr>
+      <p:grpSpPr>
+        <a:xfrm>
+          <a:off x="0" y="0"/>
+          <a:ext cx="0" cy="0"/>
+          <a:chOff x="0" y="0"/>
+          <a:chExt cx="0" cy="0"/>
+        </a:xfrm>
+      </p:grpSpPr>
+      <p:sp>
+        <p:nvSpPr>
+          <p:cNvPr id="6" name="标题 1"/>
+          <p:cNvSpPr txBox="1">
+            <a:spLocks/>
+          </p:cNvSpPr>
+          <p:nvPr/>
+        </p:nvSpPr>
+        <p:spPr>
+          <a:xfrm>
+            <a:off x="457200" y="274638"/>
+            <a:ext cx="8229600" cy="634366"/>
+          </a:xfrm>
+          <a:prstGeom prst="rect">
+            <a:avLst/>
+          </a:prstGeom>
+        </p:spPr>
+        <p:txBody>
+          <a:bodyPr vert="horz" lIns="91440" tIns="45720" rIns="91440" bIns="45720" rtlCol="0" anchor="ctr">
+            <a:normAutofit fontScale="90000" lnSpcReduction="20000"/>
+          </a:bodyPr>
+          <a:lstStyle>
+            <a:lvl1pPr algn="ctr" defTabSz="457200" rtl="0" eaLnBrk="1" latinLnBrk="0" hangingPunct="1">
+              <a:spcBef>
+                <a:spcPct val="0"/>
+              </a:spcBef>
+              <a:buNone/>
+              <a:defRPr sz="4400" kern="1200">
+                <a:solidFill>
+                  <a:schemeClr val="tx1"/>
+                </a:solidFill>
+                <a:latin typeface="+mj-lt"/>
+                <a:ea typeface="+mj-ea"/>
+                <a:cs typeface="+mj-cs"/>
+              </a:defRPr>
+            </a:lvl1pPr>
+          </a:lstStyle>
+          <a:p>
+            <a:r>
+              <a:rPr kumimoji="1" lang="en-US" altLang="zh-CN" dirty="0" smtClean="0"/>
+              <a:t>Add Remote 2</a:t>
+            </a:r>
+          </a:p>
+        </p:txBody>
+      </p:sp>
+      <p:pic>
+        <p:nvPicPr>
+          <p:cNvPr id="2" name="图片 1"/>
+          <p:cNvPicPr>
+            <a:picLocks noChangeAspect="1"/>
+          </p:cNvPicPr>
+          <p:nvPr/>
+        </p:nvPicPr>
+        <p:blipFill>
+          <a:blip r:embed="rId3"/>
+          <a:stretch>
+            <a:fillRect/>
+          </a:stretch>
+        </p:blipFill>
+        <p:spPr>
+          <a:xfrm>
+            <a:off x="647700" y="1282700"/>
+            <a:ext cx="7835900" cy="4279900"/>
+          </a:xfrm>
+          <a:prstGeom prst="rect">
+            <a:avLst/>
+          </a:prstGeom>
+        </p:spPr>
+      </p:pic>
+    </p:spTree>
+    <p:extLst>
+      <p:ext uri="{BB962C8B-B14F-4D97-AF65-F5344CB8AC3E}">
+        <p14:creationId xmlns:p14="http://schemas.microsoft.com/office/powerpoint/2010/main" val="451331723"/>
+      </p:ext>
+    </p:extLst>
+  </p:cSld>
+  <p:clrMapOvr>
+    <a:masterClrMapping/>
+  </p:clrMapOvr>
+</p:sld>
+</file>
+
+<file path=ppt/slides/slide21.xml><?xml version="1.0" encoding="utf-8"?>
+<p:sld xmlns:a="http://schemas.openxmlformats.org/drawingml/2006/main" xmlns:r="http://schemas.openxmlformats.org/officeDocument/2006/relationships" xmlns:p="http://schemas.openxmlformats.org/presentationml/2006/main">
+  <p:cSld>
+    <p:spTree>
+      <p:nvGrpSpPr>
+        <p:cNvPr id="1" name=""/>
+        <p:cNvGrpSpPr/>
+        <p:nvPr/>
+      </p:nvGrpSpPr>
+      <p:grpSpPr>
+        <a:xfrm>
+          <a:off x="0" y="0"/>
+          <a:ext cx="0" cy="0"/>
+          <a:chOff x="0" y="0"/>
+          <a:chExt cx="0" cy="0"/>
+        </a:xfrm>
+      </p:grpSpPr>
+      <p:sp>
+        <p:nvSpPr>
+          <p:cNvPr id="6" name="标题 1"/>
+          <p:cNvSpPr txBox="1">
+            <a:spLocks/>
+          </p:cNvSpPr>
+          <p:nvPr/>
+        </p:nvSpPr>
+        <p:spPr>
+          <a:xfrm>
+            <a:off x="457200" y="274638"/>
+            <a:ext cx="8229600" cy="634366"/>
+          </a:xfrm>
+          <a:prstGeom prst="rect">
+            <a:avLst/>
+          </a:prstGeom>
+        </p:spPr>
+        <p:txBody>
+          <a:bodyPr vert="horz" lIns="91440" tIns="45720" rIns="91440" bIns="45720" rtlCol="0" anchor="ctr">
+            <a:normAutofit fontScale="90000" lnSpcReduction="20000"/>
+          </a:bodyPr>
+          <a:lstStyle>
+            <a:lvl1pPr algn="ctr" defTabSz="457200" rtl="0" eaLnBrk="1" latinLnBrk="0" hangingPunct="1">
+              <a:spcBef>
+                <a:spcPct val="0"/>
+              </a:spcBef>
+              <a:buNone/>
+              <a:defRPr sz="4400" kern="1200">
+                <a:solidFill>
+                  <a:schemeClr val="tx1"/>
+                </a:solidFill>
+                <a:latin typeface="+mj-lt"/>
+                <a:ea typeface="+mj-ea"/>
+                <a:cs typeface="+mj-cs"/>
+              </a:defRPr>
+            </a:lvl1pPr>
+          </a:lstStyle>
+          <a:p>
+            <a:r>
+              <a:rPr kumimoji="1" lang="en-US" altLang="zh-CN" dirty="0" smtClean="0"/>
+              <a:t>Add Remote 3</a:t>
+            </a:r>
+          </a:p>
+        </p:txBody>
+      </p:sp>
+      <p:pic>
+        <p:nvPicPr>
+          <p:cNvPr id="3" name="图片 2"/>
+          <p:cNvPicPr>
+            <a:picLocks noChangeAspect="1"/>
+          </p:cNvPicPr>
+          <p:nvPr/>
+        </p:nvPicPr>
+        <p:blipFill>
+          <a:blip r:embed="rId3"/>
+          <a:stretch>
+            <a:fillRect/>
+          </a:stretch>
+        </p:blipFill>
+        <p:spPr>
+          <a:xfrm>
+            <a:off x="965200" y="1473200"/>
+            <a:ext cx="7213600" cy="3898900"/>
+          </a:xfrm>
+          <a:prstGeom prst="rect">
+            <a:avLst/>
+          </a:prstGeom>
+        </p:spPr>
+      </p:pic>
+    </p:spTree>
+    <p:extLst>
+      <p:ext uri="{BB962C8B-B14F-4D97-AF65-F5344CB8AC3E}">
+        <p14:creationId xmlns:p14="http://schemas.microsoft.com/office/powerpoint/2010/main" val="765126141"/>
+      </p:ext>
+    </p:extLst>
+  </p:cSld>
+  <p:clrMapOvr>
+    <a:masterClrMapping/>
+  </p:clrMapOvr>
+</p:sld>
+</file>
+
+<file path=ppt/slides/slide22.xml><?xml version="1.0" encoding="utf-8"?>
+<p:sld xmlns:a="http://schemas.openxmlformats.org/drawingml/2006/main" xmlns:r="http://schemas.openxmlformats.org/officeDocument/2006/relationships" xmlns:p="http://schemas.openxmlformats.org/presentationml/2006/main">
+  <p:cSld>
+    <p:spTree>
+      <p:nvGrpSpPr>
+        <p:cNvPr id="1" name=""/>
+        <p:cNvGrpSpPr/>
+        <p:nvPr/>
+      </p:nvGrpSpPr>
+      <p:grpSpPr>
+        <a:xfrm>
+          <a:off x="0" y="0"/>
+          <a:ext cx="0" cy="0"/>
+          <a:chOff x="0" y="0"/>
+          <a:chExt cx="0" cy="0"/>
+        </a:xfrm>
+      </p:grpSpPr>
+      <p:sp>
+        <p:nvSpPr>
+          <p:cNvPr id="6" name="标题 1"/>
+          <p:cNvSpPr txBox="1">
+            <a:spLocks/>
+          </p:cNvSpPr>
+          <p:nvPr/>
+        </p:nvSpPr>
+        <p:spPr>
+          <a:xfrm>
+            <a:off x="457200" y="274638"/>
+            <a:ext cx="8229600" cy="634366"/>
+          </a:xfrm>
+          <a:prstGeom prst="rect">
+            <a:avLst/>
+          </a:prstGeom>
+        </p:spPr>
+        <p:txBody>
+          <a:bodyPr vert="horz" lIns="91440" tIns="45720" rIns="91440" bIns="45720" rtlCol="0" anchor="ctr">
+            <a:normAutofit fontScale="90000" lnSpcReduction="20000"/>
+          </a:bodyPr>
+          <a:lstStyle>
+            <a:lvl1pPr algn="ctr" defTabSz="457200" rtl="0" eaLnBrk="1" latinLnBrk="0" hangingPunct="1">
+              <a:spcBef>
+                <a:spcPct val="0"/>
+              </a:spcBef>
+              <a:buNone/>
+              <a:defRPr sz="4400" kern="1200">
+                <a:solidFill>
+                  <a:schemeClr val="tx1"/>
+                </a:solidFill>
+                <a:latin typeface="+mj-lt"/>
+                <a:ea typeface="+mj-ea"/>
+                <a:cs typeface="+mj-cs"/>
+              </a:defRPr>
+            </a:lvl1pPr>
+          </a:lstStyle>
+          <a:p>
+            <a:r>
+              <a:rPr kumimoji="1" lang="en-US" altLang="zh-CN" dirty="0" smtClean="0"/>
+              <a:t>Pull from </a:t>
+            </a:r>
+            <a:r>
+              <a:rPr kumimoji="1" lang="en-US" altLang="zh-CN" dirty="0" err="1" smtClean="0"/>
+              <a:t>github</a:t>
+            </a:r>
+            <a:r>
+              <a:rPr kumimoji="1" lang="en-US" altLang="zh-CN" dirty="0" smtClean="0"/>
+              <a:t> 1</a:t>
+            </a:r>
+          </a:p>
+        </p:txBody>
+      </p:sp>
+      <p:pic>
+        <p:nvPicPr>
+          <p:cNvPr id="2" name="图片 1"/>
+          <p:cNvPicPr>
+            <a:picLocks noChangeAspect="1"/>
+          </p:cNvPicPr>
+          <p:nvPr/>
+        </p:nvPicPr>
+        <p:blipFill>
+          <a:blip r:embed="rId3"/>
+          <a:stretch>
+            <a:fillRect/>
+          </a:stretch>
+        </p:blipFill>
+        <p:spPr>
+          <a:xfrm>
+            <a:off x="971209" y="909004"/>
+            <a:ext cx="7200000" cy="5217391"/>
+          </a:xfrm>
+          <a:prstGeom prst="rect">
+            <a:avLst/>
+          </a:prstGeom>
+        </p:spPr>
+      </p:pic>
+    </p:spTree>
+    <p:extLst>
+      <p:ext uri="{BB962C8B-B14F-4D97-AF65-F5344CB8AC3E}">
+        <p14:creationId xmlns:p14="http://schemas.microsoft.com/office/powerpoint/2010/main" val="1646426478"/>
+      </p:ext>
+    </p:extLst>
+  </p:cSld>
+  <p:clrMapOvr>
+    <a:masterClrMapping/>
+  </p:clrMapOvr>
+</p:sld>
+</file>
+
+<file path=ppt/slides/slide23.xml><?xml version="1.0" encoding="utf-8"?>
+<p:sld xmlns:a="http://schemas.openxmlformats.org/drawingml/2006/main" xmlns:r="http://schemas.openxmlformats.org/officeDocument/2006/relationships" xmlns:p="http://schemas.openxmlformats.org/presentationml/2006/main">
+  <p:cSld>
+    <p:spTree>
+      <p:nvGrpSpPr>
+        <p:cNvPr id="1" name=""/>
+        <p:cNvGrpSpPr/>
+        <p:nvPr/>
+      </p:nvGrpSpPr>
+      <p:grpSpPr>
+        <a:xfrm>
+          <a:off x="0" y="0"/>
+          <a:ext cx="0" cy="0"/>
+          <a:chOff x="0" y="0"/>
+          <a:chExt cx="0" cy="0"/>
+        </a:xfrm>
+      </p:grpSpPr>
+      <p:sp>
+        <p:nvSpPr>
+          <p:cNvPr id="6" name="标题 1"/>
+          <p:cNvSpPr txBox="1">
+            <a:spLocks/>
+          </p:cNvSpPr>
+          <p:nvPr/>
+        </p:nvSpPr>
+        <p:spPr>
+          <a:xfrm>
+            <a:off x="457200" y="274638"/>
+            <a:ext cx="8229600" cy="634366"/>
+          </a:xfrm>
+          <a:prstGeom prst="rect">
+            <a:avLst/>
+          </a:prstGeom>
+        </p:spPr>
+        <p:txBody>
+          <a:bodyPr vert="horz" lIns="91440" tIns="45720" rIns="91440" bIns="45720" rtlCol="0" anchor="ctr">
+            <a:normAutofit fontScale="90000" lnSpcReduction="20000"/>
+          </a:bodyPr>
+          <a:lstStyle>
+            <a:lvl1pPr algn="ctr" defTabSz="457200" rtl="0" eaLnBrk="1" latinLnBrk="0" hangingPunct="1">
+              <a:spcBef>
+                <a:spcPct val="0"/>
+              </a:spcBef>
+              <a:buNone/>
+              <a:defRPr sz="4400" kern="1200">
+                <a:solidFill>
+                  <a:schemeClr val="tx1"/>
+                </a:solidFill>
+                <a:latin typeface="+mj-lt"/>
+                <a:ea typeface="+mj-ea"/>
+                <a:cs typeface="+mj-cs"/>
+              </a:defRPr>
+            </a:lvl1pPr>
+          </a:lstStyle>
+          <a:p>
+            <a:r>
+              <a:rPr kumimoji="1" lang="en-US" altLang="zh-CN" dirty="0" smtClean="0"/>
+              <a:t>Pull from </a:t>
+            </a:r>
+            <a:r>
+              <a:rPr kumimoji="1" lang="en-US" altLang="zh-CN" dirty="0" err="1" smtClean="0"/>
+              <a:t>github</a:t>
+            </a:r>
+            <a:r>
+              <a:rPr kumimoji="1" lang="en-US" altLang="zh-CN" dirty="0" smtClean="0"/>
+              <a:t> 2</a:t>
+            </a:r>
+            <a:endParaRPr kumimoji="1" lang="en-US" altLang="zh-CN" dirty="0" smtClean="0"/>
+          </a:p>
+        </p:txBody>
+      </p:sp>
+      <p:pic>
+        <p:nvPicPr>
+          <p:cNvPr id="3" name="图片 2"/>
+          <p:cNvPicPr>
+            <a:picLocks noChangeAspect="1"/>
+          </p:cNvPicPr>
+          <p:nvPr/>
+        </p:nvPicPr>
+        <p:blipFill>
+          <a:blip r:embed="rId3"/>
+          <a:stretch>
+            <a:fillRect/>
+          </a:stretch>
+        </p:blipFill>
+        <p:spPr>
+          <a:xfrm>
+            <a:off x="673100" y="1524000"/>
+            <a:ext cx="7797800" cy="3797300"/>
+          </a:xfrm>
+          <a:prstGeom prst="rect">
+            <a:avLst/>
+          </a:prstGeom>
+        </p:spPr>
+      </p:pic>
+    </p:spTree>
+    <p:extLst>
+      <p:ext uri="{BB962C8B-B14F-4D97-AF65-F5344CB8AC3E}">
+        <p14:creationId xmlns:p14="http://schemas.microsoft.com/office/powerpoint/2010/main" val="1693301760"/>
+      </p:ext>
+    </p:extLst>
+  </p:cSld>
+  <p:clrMapOvr>
+    <a:masterClrMapping/>
+  </p:clrMapOvr>
+</p:sld>
+</file>
+
+<file path=ppt/slides/slide24.xml><?xml version="1.0" encoding="utf-8"?>
+<p:sld xmlns:a="http://schemas.openxmlformats.org/drawingml/2006/main" xmlns:r="http://schemas.openxmlformats.org/officeDocument/2006/relationships" xmlns:p="http://schemas.openxmlformats.org/presentationml/2006/main">
+  <p:cSld>
+    <p:spTree>
+      <p:nvGrpSpPr>
+        <p:cNvPr id="1" name=""/>
+        <p:cNvGrpSpPr/>
+        <p:nvPr/>
+      </p:nvGrpSpPr>
+      <p:grpSpPr>
+        <a:xfrm>
+          <a:off x="0" y="0"/>
+          <a:ext cx="0" cy="0"/>
+          <a:chOff x="0" y="0"/>
+          <a:chExt cx="0" cy="0"/>
+        </a:xfrm>
+      </p:grpSpPr>
+      <p:sp>
+        <p:nvSpPr>
+          <p:cNvPr id="6" name="标题 1"/>
+          <p:cNvSpPr txBox="1">
+            <a:spLocks/>
+          </p:cNvSpPr>
+          <p:nvPr/>
+        </p:nvSpPr>
+        <p:spPr>
+          <a:xfrm>
+            <a:off x="457200" y="274638"/>
+            <a:ext cx="8229600" cy="634366"/>
+          </a:xfrm>
+          <a:prstGeom prst="rect">
+            <a:avLst/>
+          </a:prstGeom>
+        </p:spPr>
+        <p:txBody>
+          <a:bodyPr vert="horz" lIns="91440" tIns="45720" rIns="91440" bIns="45720" rtlCol="0" anchor="ctr">
+            <a:normAutofit fontScale="90000" lnSpcReduction="20000"/>
+          </a:bodyPr>
+          <a:lstStyle>
+            <a:lvl1pPr algn="ctr" defTabSz="457200" rtl="0" eaLnBrk="1" latinLnBrk="0" hangingPunct="1">
+              <a:spcBef>
+                <a:spcPct val="0"/>
+              </a:spcBef>
+              <a:buNone/>
+              <a:defRPr sz="4400" kern="1200">
+                <a:solidFill>
+                  <a:schemeClr val="tx1"/>
+                </a:solidFill>
+                <a:latin typeface="+mj-lt"/>
+                <a:ea typeface="+mj-ea"/>
+                <a:cs typeface="+mj-cs"/>
+              </a:defRPr>
+            </a:lvl1pPr>
+          </a:lstStyle>
+          <a:p>
+            <a:r>
+              <a:rPr kumimoji="1" lang="en-US" altLang="zh-CN" dirty="0" smtClean="0"/>
+              <a:t>Push to </a:t>
+            </a:r>
+            <a:r>
+              <a:rPr kumimoji="1" lang="en-US" altLang="zh-CN" dirty="0" err="1" smtClean="0"/>
+              <a:t>github</a:t>
+            </a:r>
+            <a:r>
+              <a:rPr kumimoji="1" lang="en-US" altLang="zh-CN" dirty="0" smtClean="0"/>
+              <a:t> 1</a:t>
+            </a:r>
+          </a:p>
+        </p:txBody>
+      </p:sp>
+      <p:pic>
+        <p:nvPicPr>
+          <p:cNvPr id="2" name="图片 1"/>
+          <p:cNvPicPr>
+            <a:picLocks noChangeAspect="1"/>
+          </p:cNvPicPr>
+          <p:nvPr/>
+        </p:nvPicPr>
+        <p:blipFill>
+          <a:blip r:embed="rId3"/>
+          <a:stretch>
+            <a:fillRect/>
+          </a:stretch>
+        </p:blipFill>
+        <p:spPr>
+          <a:xfrm>
+            <a:off x="933855" y="909004"/>
+            <a:ext cx="7200000" cy="5217391"/>
+          </a:xfrm>
+          <a:prstGeom prst="rect">
+            <a:avLst/>
+          </a:prstGeom>
+        </p:spPr>
+      </p:pic>
+    </p:spTree>
+    <p:extLst>
+      <p:ext uri="{BB962C8B-B14F-4D97-AF65-F5344CB8AC3E}">
+        <p14:creationId xmlns:p14="http://schemas.microsoft.com/office/powerpoint/2010/main" val="2477680247"/>
+      </p:ext>
+    </p:extLst>
+  </p:cSld>
+  <p:clrMapOvr>
+    <a:masterClrMapping/>
+  </p:clrMapOvr>
+</p:sld>
+</file>
+
+<file path=ppt/slides/slide25.xml><?xml version="1.0" encoding="utf-8"?>
+<p:sld xmlns:a="http://schemas.openxmlformats.org/drawingml/2006/main" xmlns:r="http://schemas.openxmlformats.org/officeDocument/2006/relationships" xmlns:p="http://schemas.openxmlformats.org/presentationml/2006/main">
+  <p:cSld>
+    <p:spTree>
+      <p:nvGrpSpPr>
+        <p:cNvPr id="1" name=""/>
+        <p:cNvGrpSpPr/>
+        <p:nvPr/>
+      </p:nvGrpSpPr>
+      <p:grpSpPr>
+        <a:xfrm>
+          <a:off x="0" y="0"/>
+          <a:ext cx="0" cy="0"/>
+          <a:chOff x="0" y="0"/>
+          <a:chExt cx="0" cy="0"/>
+        </a:xfrm>
+      </p:grpSpPr>
+      <p:sp>
+        <p:nvSpPr>
+          <p:cNvPr id="6" name="标题 1"/>
+          <p:cNvSpPr txBox="1">
+            <a:spLocks/>
+          </p:cNvSpPr>
+          <p:nvPr/>
+        </p:nvSpPr>
+        <p:spPr>
+          <a:xfrm>
+            <a:off x="457200" y="274638"/>
+            <a:ext cx="8229600" cy="634366"/>
+          </a:xfrm>
+          <a:prstGeom prst="rect">
+            <a:avLst/>
+          </a:prstGeom>
+        </p:spPr>
+        <p:txBody>
+          <a:bodyPr vert="horz" lIns="91440" tIns="45720" rIns="91440" bIns="45720" rtlCol="0" anchor="ctr">
+            <a:normAutofit fontScale="90000" lnSpcReduction="20000"/>
+          </a:bodyPr>
+          <a:lstStyle>
+            <a:lvl1pPr algn="ctr" defTabSz="457200" rtl="0" eaLnBrk="1" latinLnBrk="0" hangingPunct="1">
+              <a:spcBef>
+                <a:spcPct val="0"/>
+              </a:spcBef>
+              <a:buNone/>
+              <a:defRPr sz="4400" kern="1200">
+                <a:solidFill>
+                  <a:schemeClr val="tx1"/>
+                </a:solidFill>
+                <a:latin typeface="+mj-lt"/>
+                <a:ea typeface="+mj-ea"/>
+                <a:cs typeface="+mj-cs"/>
+              </a:defRPr>
+            </a:lvl1pPr>
+          </a:lstStyle>
+          <a:p>
+            <a:r>
+              <a:rPr kumimoji="1" lang="en-US" altLang="zh-CN" dirty="0" smtClean="0"/>
+              <a:t>Push to </a:t>
+            </a:r>
+            <a:r>
+              <a:rPr kumimoji="1" lang="en-US" altLang="zh-CN" dirty="0" err="1" smtClean="0"/>
+              <a:t>github</a:t>
+            </a:r>
+            <a:r>
+              <a:rPr kumimoji="1" lang="en-US" altLang="zh-CN" dirty="0" smtClean="0"/>
+              <a:t> 2</a:t>
+            </a:r>
+          </a:p>
+        </p:txBody>
+      </p:sp>
+      <p:pic>
+        <p:nvPicPr>
+          <p:cNvPr id="3" name="图片 2"/>
+          <p:cNvPicPr>
+            <a:picLocks noChangeAspect="1"/>
+          </p:cNvPicPr>
+          <p:nvPr/>
+        </p:nvPicPr>
+        <p:blipFill>
+          <a:blip r:embed="rId3"/>
+          <a:stretch>
+            <a:fillRect/>
+          </a:stretch>
+        </p:blipFill>
+        <p:spPr>
+          <a:xfrm>
+            <a:off x="444500" y="1701800"/>
+            <a:ext cx="8255000" cy="3441700"/>
+          </a:xfrm>
+          <a:prstGeom prst="rect">
+            <a:avLst/>
+          </a:prstGeom>
+        </p:spPr>
+      </p:pic>
+    </p:spTree>
+    <p:extLst>
+      <p:ext uri="{BB962C8B-B14F-4D97-AF65-F5344CB8AC3E}">
+        <p14:creationId xmlns:p14="http://schemas.microsoft.com/office/powerpoint/2010/main" val="1683550130"/>
+      </p:ext>
+    </p:extLst>
+  </p:cSld>
+  <p:clrMapOvr>
+    <a:masterClrMapping/>
+  </p:clrMapOvr>
+</p:sld>
+</file>
+
+<file path=ppt/slides/slide26.xml><?xml version="1.0" encoding="utf-8"?>
+<p:sld xmlns:a="http://schemas.openxmlformats.org/drawingml/2006/main" xmlns:r="http://schemas.openxmlformats.org/officeDocument/2006/relationships" xmlns:p="http://schemas.openxmlformats.org/presentationml/2006/main">
+  <p:cSld>
+    <p:spTree>
+      <p:nvGrpSpPr>
+        <p:cNvPr id="1" name=""/>
+        <p:cNvGrpSpPr/>
+        <p:nvPr/>
+      </p:nvGrpSpPr>
+      <p:grpSpPr>
+        <a:xfrm>
+          <a:off x="0" y="0"/>
+          <a:ext cx="0" cy="0"/>
+          <a:chOff x="0" y="0"/>
+          <a:chExt cx="0" cy="0"/>
+        </a:xfrm>
+      </p:grpSpPr>
+      <p:sp>
+        <p:nvSpPr>
+          <p:cNvPr id="6" name="标题 1"/>
+          <p:cNvSpPr txBox="1">
+            <a:spLocks/>
+          </p:cNvSpPr>
+          <p:nvPr/>
+        </p:nvSpPr>
+        <p:spPr>
+          <a:xfrm>
+            <a:off x="457200" y="274638"/>
+            <a:ext cx="8229600" cy="634366"/>
+          </a:xfrm>
+          <a:prstGeom prst="rect">
+            <a:avLst/>
+          </a:prstGeom>
+        </p:spPr>
+        <p:txBody>
+          <a:bodyPr vert="horz" lIns="91440" tIns="45720" rIns="91440" bIns="45720" rtlCol="0" anchor="ctr">
+            <a:normAutofit fontScale="90000" lnSpcReduction="20000"/>
+          </a:bodyPr>
+          <a:lstStyle>
+            <a:lvl1pPr algn="ctr" defTabSz="457200" rtl="0" eaLnBrk="1" latinLnBrk="0" hangingPunct="1">
+              <a:spcBef>
+                <a:spcPct val="0"/>
+              </a:spcBef>
+              <a:buNone/>
+              <a:defRPr sz="4400" kern="1200">
+                <a:solidFill>
+                  <a:schemeClr val="tx1"/>
+                </a:solidFill>
+                <a:latin typeface="+mj-lt"/>
+                <a:ea typeface="+mj-ea"/>
+                <a:cs typeface="+mj-cs"/>
+              </a:defRPr>
+            </a:lvl1pPr>
+          </a:lstStyle>
+          <a:p>
+            <a:r>
+              <a:rPr kumimoji="1" lang="en-US" altLang="zh-CN" dirty="0" smtClean="0"/>
+              <a:t>Push to </a:t>
+            </a:r>
+            <a:r>
+              <a:rPr kumimoji="1" lang="en-US" altLang="zh-CN" dirty="0" err="1" smtClean="0"/>
+              <a:t>github</a:t>
+            </a:r>
+            <a:r>
+              <a:rPr kumimoji="1" lang="en-US" altLang="zh-CN" dirty="0" smtClean="0"/>
+              <a:t> 3</a:t>
+            </a:r>
+          </a:p>
+        </p:txBody>
+      </p:sp>
+      <p:pic>
+        <p:nvPicPr>
+          <p:cNvPr id="2" name="图片 1"/>
+          <p:cNvPicPr>
+            <a:picLocks noChangeAspect="1"/>
+          </p:cNvPicPr>
+          <p:nvPr/>
+        </p:nvPicPr>
+        <p:blipFill>
+          <a:blip r:embed="rId3"/>
+          <a:stretch>
+            <a:fillRect/>
+          </a:stretch>
+        </p:blipFill>
+        <p:spPr>
+          <a:xfrm>
+            <a:off x="933855" y="909004"/>
+            <a:ext cx="7200000" cy="4364913"/>
+          </a:xfrm>
+          <a:prstGeom prst="rect">
+            <a:avLst/>
+          </a:prstGeom>
+        </p:spPr>
+      </p:pic>
+    </p:spTree>
+    <p:extLst>
+      <p:ext uri="{BB962C8B-B14F-4D97-AF65-F5344CB8AC3E}">
+        <p14:creationId xmlns:p14="http://schemas.microsoft.com/office/powerpoint/2010/main" val="55084207"/>
       </p:ext>
     </p:extLst>
   </p:cSld>
@@ -3959,6 +6436,14 @@
               <a:rPr kumimoji="1" lang="en-US" altLang="zh-CN" dirty="0" smtClean="0"/>
               <a:t>GIT</a:t>
             </a:r>
+            <a:r>
+              <a:rPr kumimoji="1" lang="zh-CN" altLang="en-US" dirty="0" smtClean="0"/>
+              <a:t> </a:t>
+            </a:r>
+            <a:r>
+              <a:rPr kumimoji="1" lang="en-US" altLang="zh-CN" dirty="0" smtClean="0"/>
+              <a:t>Architecture</a:t>
+            </a:r>
             <a:endParaRPr kumimoji="1" lang="zh-CN" altLang="en-US" dirty="0"/>
           </a:p>
         </p:txBody>
@@ -4025,6 +6510,14 @@
             <a:r>
               <a:rPr kumimoji="1" lang="en-US" altLang="zh-CN" dirty="0" smtClean="0"/>
               <a:t>Subversion</a:t>
+            </a:r>
+            <a:r>
+              <a:rPr kumimoji="1" lang="zh-CN" altLang="en-US" dirty="0" smtClean="0"/>
+              <a:t> </a:t>
+            </a:r>
+            <a:r>
+              <a:rPr kumimoji="1" lang="en-US" altLang="zh-CN" dirty="0" smtClean="0"/>
+              <a:t>local files system</a:t>
             </a:r>
             <a:endParaRPr kumimoji="1" lang="zh-CN" altLang="en-US" dirty="0"/>
           </a:p>
@@ -4317,9 +6810,14 @@
           </a:bodyPr>
           <a:lstStyle/>
           <a:p>
+            <a:pPr algn="l"/>
             <a:r>
               <a:rPr kumimoji="1" lang="en-US" altLang="zh-CN" dirty="0" smtClean="0"/>
-              <a:t>GIT</a:t>
+              <a:t>GIT </a:t>
+            </a:r>
+            <a:r>
+              <a:rPr kumimoji="1" lang="en-US" altLang="zh-CN" dirty="0" smtClean="0"/>
+              <a:t>local files system</a:t>
             </a:r>
             <a:endParaRPr kumimoji="1" lang="zh-CN" altLang="en-US" dirty="0"/>
           </a:p>
@@ -5466,16 +7964,12 @@
           </a:lstStyle>
           <a:p>
             <a:r>
-              <a:rPr kumimoji="1" lang="en-US" altLang="zh-CN" dirty="0" smtClean="0"/>
-              <a:t>GIT </a:t>
-            </a:r>
-            <a:r>
               <a:rPr kumimoji="1" lang="en-US" altLang="zh-CN" dirty="0" err="1" smtClean="0"/>
               <a:t>init</a:t>
             </a:r>
             <a:r>
               <a:rPr kumimoji="1" lang="en-US" altLang="zh-CN" dirty="0" smtClean="0"/>
-              <a:t> work path</a:t>
+              <a:t> work path 1</a:t>
             </a:r>
             <a:endParaRPr kumimoji="1" lang="zh-CN" altLang="en-US" dirty="0"/>
           </a:p>
@@ -5574,16 +8068,12 @@
           </a:lstStyle>
           <a:p>
             <a:r>
-              <a:rPr kumimoji="1" lang="en-US" altLang="zh-CN" dirty="0" smtClean="0"/>
-              <a:t>GIT </a:t>
-            </a:r>
-            <a:r>
               <a:rPr kumimoji="1" lang="en-US" altLang="zh-CN" dirty="0" err="1" smtClean="0"/>
               <a:t>init</a:t>
             </a:r>
             <a:r>
               <a:rPr kumimoji="1" lang="en-US" altLang="zh-CN" dirty="0" smtClean="0"/>
-              <a:t> work path</a:t>
+              <a:t> work path 2</a:t>
             </a:r>
             <a:endParaRPr kumimoji="1" lang="zh-CN" altLang="en-US" dirty="0"/>
           </a:p>
@@ -5706,16 +8196,12 @@
           </a:lstStyle>
           <a:p>
             <a:r>
-              <a:rPr kumimoji="1" lang="en-US" altLang="zh-CN" dirty="0" smtClean="0"/>
-              <a:t>GIT </a:t>
-            </a:r>
-            <a:r>
               <a:rPr kumimoji="1" lang="en-US" altLang="zh-CN" dirty="0" err="1" smtClean="0"/>
               <a:t>init</a:t>
             </a:r>
             <a:r>
               <a:rPr kumimoji="1" lang="en-US" altLang="zh-CN" dirty="0" smtClean="0"/>
-              <a:t> work path</a:t>
+              <a:t> work path 3</a:t>
             </a:r>
             <a:endParaRPr kumimoji="1" lang="zh-CN" altLang="en-US" dirty="0"/>
           </a:p>
@@ -6052,4 +8538,324 @@
   </a:objectDefaults>
   <a:extraClrSchemeLst/>
 </a:theme>
+</file>
+
+<file path=ppt/theme/theme2.xml><?xml version="1.0" encoding="utf-8"?>
+<a:theme xmlns:a="http://schemas.openxmlformats.org/drawingml/2006/main" name="Office 主题">
+  <a:themeElements>
+    <a:clrScheme name="办公室">
+      <a:dk1>
+        <a:sysClr val="windowText" lastClr="000000"/>
+      </a:dk1>
+      <a:lt1>
+        <a:sysClr val="window" lastClr="FFFFFF"/>
+      </a:lt1>
+      <a:dk2>
+        <a:srgbClr val="1F497D"/>
+      </a:dk2>
+      <a:lt2>
+        <a:srgbClr val="EEECE1"/>
+      </a:lt2>
+      <a:accent1>
+        <a:srgbClr val="4F81BD"/>
+      </a:accent1>
+      <a:accent2>
+        <a:srgbClr val="C0504D"/>
+      </a:accent2>
+      <a:accent3>
+        <a:srgbClr val="9BBB59"/>
+      </a:accent3>
+      <a:accent4>
+        <a:srgbClr val="8064A2"/>
+      </a:accent4>
+      <a:accent5>
+        <a:srgbClr val="4BACC6"/>
+      </a:accent5>
+      <a:accent6>
+        <a:srgbClr val="F79646"/>
+      </a:accent6>
+      <a:hlink>
+        <a:srgbClr val="0000FF"/>
+      </a:hlink>
+      <a:folHlink>
+        <a:srgbClr val="800080"/>
+      </a:folHlink>
+    </a:clrScheme>
+    <a:fontScheme name="办公室">
+      <a:majorFont>
+        <a:latin typeface="Calibri"/>
+        <a:ea typeface=""/>
+        <a:cs typeface=""/>
+        <a:font script="Jpan" typeface="ＭＳ Ｐゴシック"/>
+        <a:font script="Hang" typeface="맑은 고딕"/>
+        <a:font script="Hans" typeface="宋体"/>
+        <a:font script="Hant" typeface="新細明體"/>
+        <a:font script="Arab" typeface="Times New Roman"/>
+        <a:font script="Hebr" typeface="Times New Roman"/>
+        <a:font script="Thai" typeface="Angsana New"/>
+        <a:font script="Ethi" typeface="Nyala"/>
+        <a:font script="Beng" typeface="Vrinda"/>
+        <a:font script="Gujr" typeface="Shruti"/>
+        <a:font script="Khmr" typeface="MoolBoran"/>
+        <a:font script="Knda" typeface="Tunga"/>
+        <a:font script="Guru" typeface="Raavi"/>
+        <a:font script="Cans" typeface="Euphemia"/>
+        <a:font script="Cher" typeface="Plantagenet Cherokee"/>
+        <a:font script="Yiii" typeface="Microsoft Yi Baiti"/>
+        <a:font script="Tibt" typeface="Microsoft Himalaya"/>
+        <a:font script="Thaa" typeface="MV Boli"/>
+        <a:font script="Deva" typeface="Mangal"/>
+        <a:font script="Telu" typeface="Gautami"/>
+        <a:font script="Taml" typeface="Latha"/>
+        <a:font script="Syrc" typeface="Estrangelo Edessa"/>
+        <a:font script="Orya" typeface="Kalinga"/>
+        <a:font script="Mlym" typeface="Kartika"/>
+        <a:font script="Laoo" typeface="DokChampa"/>
+        <a:font script="Sinh" typeface="Iskoola Pota"/>
+        <a:font script="Mong" typeface="Mongolian Baiti"/>
+        <a:font script="Viet" typeface="Times New Roman"/>
+        <a:font script="Uigh" typeface="Microsoft Uighur"/>
+        <a:font script="Geor" typeface="Sylfaen"/>
+      </a:majorFont>
+      <a:minorFont>
+        <a:latin typeface="Calibri"/>
+        <a:ea typeface=""/>
+        <a:cs typeface=""/>
+        <a:font script="Jpan" typeface="ＭＳ Ｐゴシック"/>
+        <a:font script="Hang" typeface="맑은 고딕"/>
+        <a:font script="Hans" typeface="宋体"/>
+        <a:font script="Hant" typeface="新細明體"/>
+        <a:font script="Arab" typeface="Arial"/>
+        <a:font script="Hebr" typeface="Arial"/>
+        <a:font script="Thai" typeface="Cordia New"/>
+        <a:font script="Ethi" typeface="Nyala"/>
+        <a:font script="Beng" typeface="Vrinda"/>
+        <a:font script="Gujr" typeface="Shruti"/>
+        <a:font script="Khmr" typeface="DaunPenh"/>
+        <a:font script="Knda" typeface="Tunga"/>
+        <a:font script="Guru" typeface="Raavi"/>
+        <a:font script="Cans" typeface="Euphemia"/>
+        <a:font script="Cher" typeface="Plantagenet Cherokee"/>
+        <a:font script="Yiii" typeface="Microsoft Yi Baiti"/>
+        <a:font script="Tibt" typeface="Microsoft Himalaya"/>
+        <a:font script="Thaa" typeface="MV Boli"/>
+        <a:font script="Deva" typeface="Mangal"/>
+        <a:font script="Telu" typeface="Gautami"/>
+        <a:font script="Taml" typeface="Latha"/>
+        <a:font script="Syrc" typeface="Estrangelo Edessa"/>
+        <a:font script="Orya" typeface="Kalinga"/>
+        <a:font script="Mlym" typeface="Kartika"/>
+        <a:font script="Laoo" typeface="DokChampa"/>
+        <a:font script="Sinh" typeface="Iskoola Pota"/>
+        <a:font script="Mong" typeface="Mongolian Baiti"/>
+        <a:font script="Viet" typeface="Arial"/>
+        <a:font script="Uigh" typeface="Microsoft Uighur"/>
+        <a:font script="Geor" typeface="Sylfaen"/>
+      </a:minorFont>
+    </a:fontScheme>
+    <a:fmtScheme name="办公室">
+      <a:fillStyleLst>
+        <a:solidFill>
+          <a:schemeClr val="phClr"/>
+        </a:solidFill>
+        <a:gradFill rotWithShape="1">
+          <a:gsLst>
+            <a:gs pos="0">
+              <a:schemeClr val="phClr">
+                <a:tint val="50000"/>
+                <a:satMod val="300000"/>
+              </a:schemeClr>
+            </a:gs>
+            <a:gs pos="35000">
+              <a:schemeClr val="phClr">
+                <a:tint val="37000"/>
+                <a:satMod val="300000"/>
+              </a:schemeClr>
+            </a:gs>
+            <a:gs pos="100000">
+              <a:schemeClr val="phClr">
+                <a:tint val="15000"/>
+                <a:satMod val="350000"/>
+              </a:schemeClr>
+            </a:gs>
+          </a:gsLst>
+          <a:lin ang="16200000" scaled="1"/>
+        </a:gradFill>
+        <a:gradFill rotWithShape="1">
+          <a:gsLst>
+            <a:gs pos="0">
+              <a:schemeClr val="phClr">
+                <a:tint val="100000"/>
+                <a:shade val="100000"/>
+                <a:satMod val="130000"/>
+              </a:schemeClr>
+            </a:gs>
+            <a:gs pos="100000">
+              <a:schemeClr val="phClr">
+                <a:tint val="50000"/>
+                <a:shade val="100000"/>
+                <a:satMod val="350000"/>
+              </a:schemeClr>
+            </a:gs>
+          </a:gsLst>
+          <a:lin ang="16200000" scaled="0"/>
+        </a:gradFill>
+      </a:fillStyleLst>
+      <a:lnStyleLst>
+        <a:ln w="9525" cap="flat" cmpd="sng" algn="ctr">
+          <a:solidFill>
+            <a:schemeClr val="phClr">
+              <a:shade val="95000"/>
+              <a:satMod val="105000"/>
+            </a:schemeClr>
+          </a:solidFill>
+          <a:prstDash val="solid"/>
+        </a:ln>
+        <a:ln w="25400" cap="flat" cmpd="sng" algn="ctr">
+          <a:solidFill>
+            <a:schemeClr val="phClr"/>
+          </a:solidFill>
+          <a:prstDash val="solid"/>
+        </a:ln>
+        <a:ln w="38100" cap="flat" cmpd="sng" algn="ctr">
+          <a:solidFill>
+            <a:schemeClr val="phClr"/>
+          </a:solidFill>
+          <a:prstDash val="solid"/>
+        </a:ln>
+      </a:lnStyleLst>
+      <a:effectStyleLst>
+        <a:effectStyle>
+          <a:effectLst>
+            <a:outerShdw blurRad="40000" dist="20000" dir="5400000" rotWithShape="0">
+              <a:srgbClr val="000000">
+                <a:alpha val="38000"/>
+              </a:srgbClr>
+            </a:outerShdw>
+          </a:effectLst>
+        </a:effectStyle>
+        <a:effectStyle>
+          <a:effectLst>
+            <a:outerShdw blurRad="40000" dist="23000" dir="5400000" rotWithShape="0">
+              <a:srgbClr val="000000">
+                <a:alpha val="35000"/>
+              </a:srgbClr>
+            </a:outerShdw>
+          </a:effectLst>
+        </a:effectStyle>
+        <a:effectStyle>
+          <a:effectLst>
+            <a:outerShdw blurRad="40000" dist="23000" dir="5400000" rotWithShape="0">
+              <a:srgbClr val="000000">
+                <a:alpha val="35000"/>
+              </a:srgbClr>
+            </a:outerShdw>
+          </a:effectLst>
+          <a:scene3d>
+            <a:camera prst="orthographicFront">
+              <a:rot lat="0" lon="0" rev="0"/>
+            </a:camera>
+            <a:lightRig rig="threePt" dir="t">
+              <a:rot lat="0" lon="0" rev="1200000"/>
+            </a:lightRig>
+          </a:scene3d>
+          <a:sp3d>
+            <a:bevelT w="63500" h="25400"/>
+          </a:sp3d>
+        </a:effectStyle>
+      </a:effectStyleLst>
+      <a:bgFillStyleLst>
+        <a:solidFill>
+          <a:schemeClr val="phClr"/>
+        </a:solidFill>
+        <a:gradFill rotWithShape="1">
+          <a:gsLst>
+            <a:gs pos="0">
+              <a:schemeClr val="phClr">
+                <a:tint val="40000"/>
+                <a:satMod val="350000"/>
+              </a:schemeClr>
+            </a:gs>
+            <a:gs pos="40000">
+              <a:schemeClr val="phClr">
+                <a:tint val="45000"/>
+                <a:shade val="99000"/>
+                <a:satMod val="350000"/>
+              </a:schemeClr>
+            </a:gs>
+            <a:gs pos="100000">
+              <a:schemeClr val="phClr">
+                <a:shade val="20000"/>
+                <a:satMod val="255000"/>
+              </a:schemeClr>
+            </a:gs>
+          </a:gsLst>
+          <a:path path="circle">
+            <a:fillToRect l="50000" t="-80000" r="50000" b="180000"/>
+          </a:path>
+        </a:gradFill>
+        <a:gradFill rotWithShape="1">
+          <a:gsLst>
+            <a:gs pos="0">
+              <a:schemeClr val="phClr">
+                <a:tint val="80000"/>
+                <a:satMod val="300000"/>
+              </a:schemeClr>
+            </a:gs>
+            <a:gs pos="100000">
+              <a:schemeClr val="phClr">
+                <a:shade val="30000"/>
+                <a:satMod val="200000"/>
+              </a:schemeClr>
+            </a:gs>
+          </a:gsLst>
+          <a:path path="circle">
+            <a:fillToRect l="50000" t="50000" r="50000" b="50000"/>
+          </a:path>
+        </a:gradFill>
+      </a:bgFillStyleLst>
+    </a:fmtScheme>
+  </a:themeElements>
+  <a:objectDefaults>
+    <a:spDef>
+      <a:spPr/>
+      <a:bodyPr/>
+      <a:lstStyle/>
+      <a:style>
+        <a:lnRef idx="1">
+          <a:schemeClr val="accent1"/>
+        </a:lnRef>
+        <a:fillRef idx="3">
+          <a:schemeClr val="accent1"/>
+        </a:fillRef>
+        <a:effectRef idx="2">
+          <a:schemeClr val="accent1"/>
+        </a:effectRef>
+        <a:fontRef idx="minor">
+          <a:schemeClr val="lt1"/>
+        </a:fontRef>
+      </a:style>
+    </a:spDef>
+    <a:lnDef>
+      <a:spPr/>
+      <a:bodyPr/>
+      <a:lstStyle/>
+      <a:style>
+        <a:lnRef idx="2">
+          <a:schemeClr val="accent1"/>
+        </a:lnRef>
+        <a:fillRef idx="0">
+          <a:schemeClr val="accent1"/>
+        </a:fillRef>
+        <a:effectRef idx="1">
+          <a:schemeClr val="accent1"/>
+        </a:effectRef>
+        <a:fontRef idx="minor">
+          <a:schemeClr val="tx1"/>
+        </a:fontRef>
+      </a:style>
+    </a:lnDef>
+  </a:objectDefaults>
+  <a:extraClrSchemeLst/>
+</a:theme>
 </file>
--- a/LearnGit.pptx
+++ b/LearnGit.pptx
@@ -4644,6 +4644,13 @@
   <p:clrMapOvr>
     <a:masterClrMapping/>
   </p:clrMapOvr>
+  <p:timing>
+    <p:tnLst>
+      <p:par>
+        <p:cTn xmlns:p14="http://schemas.microsoft.com/office/powerpoint/2010/main" id="1" dur="indefinite" restart="never" nodeType="tmRoot"/>
+      </p:par>
+    </p:tnLst>
+  </p:timing>
 </p:sld>
 </file>
 
@@ -4744,6 +4751,13 @@
   <p:clrMapOvr>
     <a:masterClrMapping/>
   </p:clrMapOvr>
+  <p:timing>
+    <p:tnLst>
+      <p:par>
+        <p:cTn xmlns:p14="http://schemas.microsoft.com/office/powerpoint/2010/main" id="1" dur="indefinite" restart="never" nodeType="tmRoot"/>
+      </p:par>
+    </p:tnLst>
+  </p:timing>
 </p:sld>
 </file>
 
@@ -4843,6 +4857,13 @@
   <p:clrMapOvr>
     <a:masterClrMapping/>
   </p:clrMapOvr>
+  <p:timing>
+    <p:tnLst>
+      <p:par>
+        <p:cTn xmlns:p14="http://schemas.microsoft.com/office/powerpoint/2010/main" id="1" dur="indefinite" restart="never" nodeType="tmRoot"/>
+      </p:par>
+    </p:tnLst>
+  </p:timing>
 </p:sld>
 </file>
 
@@ -4942,6 +4963,13 @@
   <p:clrMapOvr>
     <a:masterClrMapping/>
   </p:clrMapOvr>
+  <p:timing>
+    <p:tnLst>
+      <p:par>
+        <p:cTn xmlns:p14="http://schemas.microsoft.com/office/powerpoint/2010/main" id="1" dur="indefinite" restart="never" nodeType="tmRoot"/>
+      </p:par>
+    </p:tnLst>
+  </p:timing>
 </p:sld>
 </file>
 
@@ -5041,6 +5069,13 @@
   <p:clrMapOvr>
     <a:masterClrMapping/>
   </p:clrMapOvr>
+  <p:timing>
+    <p:tnLst>
+      <p:par>
+        <p:cTn xmlns:p14="http://schemas.microsoft.com/office/powerpoint/2010/main" id="1" dur="indefinite" restart="never" nodeType="tmRoot"/>
+      </p:par>
+    </p:tnLst>
+  </p:timing>
 </p:sld>
 </file>
 
@@ -5140,6 +5175,13 @@
   <p:clrMapOvr>
     <a:masterClrMapping/>
   </p:clrMapOvr>
+  <p:timing>
+    <p:tnLst>
+      <p:par>
+        <p:cTn xmlns:p14="http://schemas.microsoft.com/office/powerpoint/2010/main" id="1" dur="indefinite" restart="never" nodeType="tmRoot"/>
+      </p:par>
+    </p:tnLst>
+  </p:timing>
 </p:sld>
 </file>
 
@@ -5239,6 +5281,13 @@
   <p:clrMapOvr>
     <a:masterClrMapping/>
   </p:clrMapOvr>
+  <p:timing>
+    <p:tnLst>
+      <p:par>
+        <p:cTn xmlns:p14="http://schemas.microsoft.com/office/powerpoint/2010/main" id="1" dur="indefinite" restart="never" nodeType="tmRoot"/>
+      </p:par>
+    </p:tnLst>
+  </p:timing>
 </p:sld>
 </file>
 
@@ -5299,7 +5348,15 @@
           <a:p>
             <a:r>
               <a:rPr kumimoji="1" lang="en-US" altLang="zh-CN" dirty="0" smtClean="0"/>
-              <a:t>Change Branch 1</a:t>
+              <a:t>Branch </a:t>
+            </a:r>
+            <a:r>
+              <a:rPr kumimoji="1" lang="en-US" altLang="zh-CN" dirty="0" smtClean="0"/>
+              <a:t>Merge </a:t>
+            </a:r>
+            <a:r>
+              <a:rPr kumimoji="1" lang="en-US" altLang="zh-CN" dirty="0" smtClean="0"/>
+              <a:t>1</a:t>
             </a:r>
           </a:p>
         </p:txBody>
@@ -5338,6 +5395,13 @@
   <p:clrMapOvr>
     <a:masterClrMapping/>
   </p:clrMapOvr>
+  <p:timing>
+    <p:tnLst>
+      <p:par>
+        <p:cTn xmlns:p14="http://schemas.microsoft.com/office/powerpoint/2010/main" id="1" dur="indefinite" restart="never" nodeType="tmRoot"/>
+      </p:par>
+    </p:tnLst>
+  </p:timing>
 </p:sld>
 </file>
 
@@ -5398,7 +5462,7 @@
           <a:p>
             <a:r>
               <a:rPr kumimoji="1" lang="en-US" altLang="zh-CN" dirty="0" smtClean="0"/>
-              <a:t>Branch Marge 2</a:t>
+              <a:t>Branch Merge 2</a:t>
             </a:r>
           </a:p>
         </p:txBody>
@@ -5437,6 +5501,13 @@
   <p:clrMapOvr>
     <a:masterClrMapping/>
   </p:clrMapOvr>
+  <p:timing>
+    <p:tnLst>
+      <p:par>
+        <p:cTn xmlns:p14="http://schemas.microsoft.com/office/powerpoint/2010/main" id="1" dur="indefinite" restart="never" nodeType="tmRoot"/>
+      </p:par>
+    </p:tnLst>
+  </p:timing>
 </p:sld>
 </file>
 
@@ -5536,6 +5607,13 @@
   <p:clrMapOvr>
     <a:masterClrMapping/>
   </p:clrMapOvr>
+  <p:timing>
+    <p:tnLst>
+      <p:par>
+        <p:cTn xmlns:p14="http://schemas.microsoft.com/office/powerpoint/2010/main" id="1" dur="indefinite" restart="never" nodeType="tmRoot"/>
+      </p:par>
+    </p:tnLst>
+  </p:timing>
 </p:sld>
 </file>
 
@@ -5632,6 +5710,13 @@
   <p:clrMapOvr>
     <a:masterClrMapping/>
   </p:clrMapOvr>
+  <p:timing>
+    <p:tnLst>
+      <p:par>
+        <p:cTn xmlns:p14="http://schemas.microsoft.com/office/powerpoint/2010/main" id="1" dur="indefinite" restart="never" nodeType="tmRoot"/>
+      </p:par>
+    </p:tnLst>
+  </p:timing>
 </p:sld>
 </file>
 
@@ -5731,6 +5816,13 @@
   <p:clrMapOvr>
     <a:masterClrMapping/>
   </p:clrMapOvr>
+  <p:timing>
+    <p:tnLst>
+      <p:par>
+        <p:cTn xmlns:p14="http://schemas.microsoft.com/office/powerpoint/2010/main" id="1" dur="indefinite" restart="never" nodeType="tmRoot"/>
+      </p:par>
+    </p:tnLst>
+  </p:timing>
 </p:sld>
 </file>
 
@@ -5830,6 +5922,13 @@
   <p:clrMapOvr>
     <a:masterClrMapping/>
   </p:clrMapOvr>
+  <p:timing>
+    <p:tnLst>
+      <p:par>
+        <p:cTn xmlns:p14="http://schemas.microsoft.com/office/powerpoint/2010/main" id="1" dur="indefinite" restart="never" nodeType="tmRoot"/>
+      </p:par>
+    </p:tnLst>
+  </p:timing>
 </p:sld>
 </file>
 
@@ -5937,6 +6036,13 @@
   <p:clrMapOvr>
     <a:masterClrMapping/>
   </p:clrMapOvr>
+  <p:timing>
+    <p:tnLst>
+      <p:par>
+        <p:cTn xmlns:p14="http://schemas.microsoft.com/office/powerpoint/2010/main" id="1" dur="indefinite" restart="never" nodeType="tmRoot"/>
+      </p:par>
+    </p:tnLst>
+  </p:timing>
 </p:sld>
 </file>
 
@@ -6045,6 +6151,13 @@
   <p:clrMapOvr>
     <a:masterClrMapping/>
   </p:clrMapOvr>
+  <p:timing>
+    <p:tnLst>
+      <p:par>
+        <p:cTn xmlns:p14="http://schemas.microsoft.com/office/powerpoint/2010/main" id="1" dur="indefinite" restart="never" nodeType="tmRoot"/>
+      </p:par>
+    </p:tnLst>
+  </p:timing>
 </p:sld>
 </file>
 
@@ -6152,6 +6265,13 @@
   <p:clrMapOvr>
     <a:masterClrMapping/>
   </p:clrMapOvr>
+  <p:timing>
+    <p:tnLst>
+      <p:par>
+        <p:cTn xmlns:p14="http://schemas.microsoft.com/office/powerpoint/2010/main" id="1" dur="indefinite" restart="never" nodeType="tmRoot"/>
+      </p:par>
+    </p:tnLst>
+  </p:timing>
 </p:sld>
 </file>
 
@@ -6259,6 +6379,13 @@
   <p:clrMapOvr>
     <a:masterClrMapping/>
   </p:clrMapOvr>
+  <p:timing>
+    <p:tnLst>
+      <p:par>
+        <p:cTn xmlns:p14="http://schemas.microsoft.com/office/powerpoint/2010/main" id="1" dur="indefinite" restart="never" nodeType="tmRoot"/>
+      </p:par>
+    </p:tnLst>
+  </p:timing>
 </p:sld>
 </file>
 
@@ -6366,6 +6493,13 @@
   <p:clrMapOvr>
     <a:masterClrMapping/>
   </p:clrMapOvr>
+  <p:timing>
+    <p:tnLst>
+      <p:par>
+        <p:cTn xmlns:p14="http://schemas.microsoft.com/office/powerpoint/2010/main" id="1" dur="indefinite" restart="never" nodeType="tmRoot"/>
+      </p:par>
+    </p:tnLst>
+  </p:timing>
 </p:sld>
 </file>
 
@@ -8009,6 +8143,13 @@
   <p:clrMapOvr>
     <a:masterClrMapping/>
   </p:clrMapOvr>
+  <p:timing>
+    <p:tnLst>
+      <p:par>
+        <p:cTn xmlns:p14="http://schemas.microsoft.com/office/powerpoint/2010/main" id="1" dur="indefinite" restart="never" nodeType="tmRoot"/>
+      </p:par>
+    </p:tnLst>
+  </p:timing>
 </p:sld>
 </file>
 
@@ -8113,6 +8254,13 @@
   <p:clrMapOvr>
     <a:masterClrMapping/>
   </p:clrMapOvr>
+  <p:timing>
+    <p:tnLst>
+      <p:par>
+        <p:cTn xmlns:p14="http://schemas.microsoft.com/office/powerpoint/2010/main" id="1" dur="indefinite" restart="never" nodeType="tmRoot"/>
+      </p:par>
+    </p:tnLst>
+  </p:timing>
 </p:sld>
 </file>
 
@@ -8217,6 +8365,13 @@
   <p:clrMapOvr>
     <a:masterClrMapping/>
   </p:clrMapOvr>
+  <p:timing>
+    <p:tnLst>
+      <p:par>
+        <p:cTn xmlns:p14="http://schemas.microsoft.com/office/powerpoint/2010/main" id="1" dur="indefinite" restart="never" nodeType="tmRoot"/>
+      </p:par>
+    </p:tnLst>
+  </p:timing>
 </p:sld>
 </file>
 
